--- a/Apprendimento non supervisionato per l’identificazione di contesti di Freezing of Gait (FOG) in pazienti affetti da Morbo di Parkinson.pptx
+++ b/Apprendimento non supervisionato per l’identificazione di contesti di Freezing of Gait (FOG) in pazienti affetti da Morbo di Parkinson.pptx
@@ -12118,20 +12118,71 @@
           </a:bodyPr>
           <a:lstStyle/>
           <a:p>
-            <a:pPr marL="0" lvl="0" indent="0">
-              <a:spcBef>
-                <a:spcPts val="0"/>
-              </a:spcBef>
-              <a:spcAft>
-                <a:spcPts val="0"/>
-              </a:spcAft>
-              <a:buNone/>
-            </a:pPr>
             <a:r>
-              <a:rPr lang="it"/>
-              <a:t>Salve a tutti, io sono Alessandro Fuser e sono qui oggi per parlarvi del mio progetto di Tesi Specialistica sull’apprendimento non supervisionato per l’identificazione dei contesti di Freezing of Gait, in corto FOG, in pazienti affetti da morbo di Parkinson.</a:t>
+              <a:rPr lang="it-IT" sz="1100" b="0" i="0" u="none" strike="noStrike" cap="none" dirty="0">
+                <a:solidFill>
+                  <a:srgbClr val="000000"/>
+                </a:solidFill>
+                <a:effectLst/>
+                <a:latin typeface="Arial"/>
+                <a:ea typeface="Arial"/>
+                <a:cs typeface="Arial"/>
+                <a:sym typeface="Arial"/>
+              </a:rPr>
+              <a:t>Salve, sono Alessandro Fuser e oggi sono qui per parlarvi del mio lavoro di tesi riguardante l'apprendimento non supervisionato per l'identificazione dei contesti di </a:t>
             </a:r>
-            <a:endParaRPr/>
+            <a:r>
+              <a:rPr lang="it-IT" sz="1100" b="0" i="0" u="none" strike="noStrike" cap="none" dirty="0" err="1">
+                <a:solidFill>
+                  <a:srgbClr val="000000"/>
+                </a:solidFill>
+                <a:effectLst/>
+                <a:latin typeface="Arial"/>
+                <a:ea typeface="Arial"/>
+                <a:cs typeface="Arial"/>
+                <a:sym typeface="Arial"/>
+              </a:rPr>
+              <a:t>Freezing</a:t>
+            </a:r>
+            <a:r>
+              <a:rPr lang="it-IT" sz="1100" b="0" i="0" u="none" strike="noStrike" cap="none" dirty="0">
+                <a:solidFill>
+                  <a:srgbClr val="000000"/>
+                </a:solidFill>
+                <a:effectLst/>
+                <a:latin typeface="Arial"/>
+                <a:ea typeface="Arial"/>
+                <a:cs typeface="Arial"/>
+                <a:sym typeface="Arial"/>
+              </a:rPr>
+              <a:t> of </a:t>
+            </a:r>
+            <a:r>
+              <a:rPr lang="it-IT" sz="1100" b="0" i="0" u="none" strike="noStrike" cap="none" dirty="0" err="1">
+                <a:solidFill>
+                  <a:srgbClr val="000000"/>
+                </a:solidFill>
+                <a:effectLst/>
+                <a:latin typeface="Arial"/>
+                <a:ea typeface="Arial"/>
+                <a:cs typeface="Arial"/>
+                <a:sym typeface="Arial"/>
+              </a:rPr>
+              <a:t>Gait</a:t>
+            </a:r>
+            <a:r>
+              <a:rPr lang="it-IT" sz="1100" b="0" i="0" u="none" strike="noStrike" cap="none" dirty="0">
+                <a:solidFill>
+                  <a:srgbClr val="000000"/>
+                </a:solidFill>
+                <a:effectLst/>
+                <a:latin typeface="Arial"/>
+                <a:ea typeface="Arial"/>
+                <a:cs typeface="Arial"/>
+                <a:sym typeface="Arial"/>
+              </a:rPr>
+              <a:t>, in breve FOG, in pazienti affetti da Morbo di Parkinson.</a:t>
+            </a:r>
           </a:p>
         </p:txBody>
       </p:sp>
@@ -12226,20 +12277,64 @@
           </a:bodyPr>
           <a:lstStyle/>
           <a:p>
-            <a:pPr marL="0" lvl="0" indent="0">
-              <a:spcBef>
-                <a:spcPts val="0"/>
-              </a:spcBef>
-              <a:spcAft>
-                <a:spcPts val="0"/>
-              </a:spcAft>
-              <a:buNone/>
+            <a:pPr marL="0" marR="0" lvl="0" indent="0" algn="l" defTabSz="914400" rtl="0" eaLnBrk="1" fontAlgn="auto" latinLnBrk="0" hangingPunct="1">
+              <a:lnSpc>
+                <a:spcPct val="100000"/>
+              </a:lnSpc>
+              <a:spcBef>
+                <a:spcPts val="0"/>
+              </a:spcBef>
+              <a:spcAft>
+                <a:spcPts val="0"/>
+              </a:spcAft>
+              <a:buClr>
+                <a:srgbClr val="000000"/>
+              </a:buClr>
+              <a:buSzPts val="1100"/>
+              <a:buFont typeface="Arial"/>
+              <a:buNone/>
+              <a:tabLst/>
+              <a:defRPr/>
             </a:pPr>
             <a:r>
-              <a:rPr lang="it"/>
-              <a:t>Il dataset utilizzato per i test è composto da 10 pazienti, di cui 8 hanno avuto episodi di FOG. Ogni paziente ha seguito dei percorsi ed i dati del movimento venivano registrati da 3 accelerometri 3D, posizionati sulla caviglia, sul retro del ginocchio e nella zona lombare. Per quanto riguarda la fase 1, è stato notato fin da subito che sussiste una certa divisione tra i dati appartenenti al preFOG rispetto a quelli del FOG e NOFOG e, sfruttando la parte del lavoro della fase 2 riguardante la scelta degli intervalli temporali, questa distinzione è stata migliorata, soprattutto per il preFOG, sia usando i dati di un paziente alla volta che prendendo quelli di tutti i pazienti contemporaneamente, suggerendo che molti movimenti che portano al preFOG possono essere in comune tra i vari pazienti.</a:t>
+              <a:rPr lang="it-IT" sz="1100" b="0" i="0" u="none" strike="noStrike" cap="none" dirty="0">
+                <a:solidFill>
+                  <a:srgbClr val="000000"/>
+                </a:solidFill>
+                <a:effectLst/>
+                <a:latin typeface="Arial"/>
+                <a:ea typeface="Arial"/>
+                <a:cs typeface="Arial"/>
+                <a:sym typeface="Arial"/>
+              </a:rPr>
+              <a:t>Il dataset che è stato utilizzato comprende 10 pazienti, 8 dei quali presentano episodi di </a:t>
             </a:r>
-            <a:endParaRPr/>
+            <a:r>
+              <a:rPr lang="it-IT" sz="1100" b="0" i="0" u="none" strike="noStrike" cap="none" dirty="0" err="1">
+                <a:solidFill>
+                  <a:srgbClr val="000000"/>
+                </a:solidFill>
+                <a:effectLst/>
+                <a:latin typeface="Arial"/>
+                <a:ea typeface="Arial"/>
+                <a:cs typeface="Arial"/>
+                <a:sym typeface="Arial"/>
+              </a:rPr>
+              <a:t>Freezing</a:t>
+            </a:r>
+            <a:r>
+              <a:rPr lang="it-IT" sz="1100" b="0" i="0" u="none" strike="noStrike" cap="none" dirty="0">
+                <a:solidFill>
+                  <a:srgbClr val="000000"/>
+                </a:solidFill>
+                <a:effectLst/>
+                <a:latin typeface="Arial"/>
+                <a:ea typeface="Arial"/>
+                <a:cs typeface="Arial"/>
+                <a:sym typeface="Arial"/>
+              </a:rPr>
+              <a:t>. I dati sono stati raccolti da 3 accelerometri triassiali posizionati sulla caviglia, sul ginocchio e sulla schiena del paziente. La prima fase di studio delle classi ci ha portati ad una buona divisione dei dati appartenenti alle varie classi, come si può vedere in figura, sia usando i dati dei singoli pazienti che prendendoli tutti contemporaneamente. Sfruttando lo studio della fase 2 sulla divisione temporale, tuttavia, si è arrivati ad avere una divisione ancora migliore, sia nel caso dei singoli pazienti che in quello di tutti i pazienti contemporaneamente.</a:t>
+            </a:r>
           </a:p>
         </p:txBody>
       </p:sp>
@@ -12334,20 +12429,64 @@
           </a:bodyPr>
           <a:lstStyle/>
           <a:p>
-            <a:pPr marL="0" lvl="0" indent="0">
-              <a:spcBef>
-                <a:spcPts val="0"/>
-              </a:spcBef>
-              <a:spcAft>
-                <a:spcPts val="0"/>
-              </a:spcAft>
-              <a:buNone/>
+            <a:pPr marL="0" marR="0" lvl="0" indent="0" algn="l" defTabSz="914400" rtl="0" eaLnBrk="1" fontAlgn="auto" latinLnBrk="0" hangingPunct="1">
+              <a:lnSpc>
+                <a:spcPct val="100000"/>
+              </a:lnSpc>
+              <a:spcBef>
+                <a:spcPts val="0"/>
+              </a:spcBef>
+              <a:spcAft>
+                <a:spcPts val="0"/>
+              </a:spcAft>
+              <a:buClr>
+                <a:srgbClr val="000000"/>
+              </a:buClr>
+              <a:buSzPts val="1100"/>
+              <a:buFont typeface="Arial"/>
+              <a:buNone/>
+              <a:tabLst/>
+              <a:defRPr/>
             </a:pPr>
             <a:r>
-              <a:rPr lang="it"/>
-              <a:t>La fase 2, che si prefigge l'obiettivo di sostituire il paziente nell’etichettatura dei dati nella prima fase di test tramite un approccio non supervisionato, ossia non avendo altri dati etichettati a disposizione a priori, sembra promettente, in quanto per ogni paziente si riesce ad ottenere un’accuratezza, ossia la capacità di etichettare correttamente i dati, superiore al 70% per quasi ognuno di essi. La fase 3, che invece sfrutta dati già etichettati, per la predizione di nuovi dati riesce ad ottenere un F1-score sempre superiore al 70%, andando a migliorare l’unico lavoro presente allo stato dell’arte che usa la classe del preFOG.</a:t>
+              <a:rPr lang="it-IT" sz="1100" b="0" i="0" u="none" strike="noStrike" cap="none" dirty="0">
+                <a:solidFill>
+                  <a:srgbClr val="000000"/>
+                </a:solidFill>
+                <a:effectLst/>
+                <a:latin typeface="Arial"/>
+                <a:ea typeface="Arial"/>
+                <a:cs typeface="Arial"/>
+                <a:sym typeface="Arial"/>
+              </a:rPr>
+              <a:t>L’etichettatura dei dati non supervisionata sembra molto promettente, in quanto fornisce un’accuratezza di divisione in classi sempre superiore al 70%, con casi superiori al 90%. La fase 3, per la previsione di nuovi dati, migliora l’unico studio presenta in letteratura per la classe </a:t>
             </a:r>
-            <a:endParaRPr/>
+            <a:r>
+              <a:rPr lang="it-IT" sz="1100" b="0" i="0" u="none" strike="noStrike" cap="none" dirty="0" err="1">
+                <a:solidFill>
+                  <a:srgbClr val="000000"/>
+                </a:solidFill>
+                <a:effectLst/>
+                <a:latin typeface="Arial"/>
+                <a:ea typeface="Arial"/>
+                <a:cs typeface="Arial"/>
+                <a:sym typeface="Arial"/>
+              </a:rPr>
+              <a:t>preFOG</a:t>
+            </a:r>
+            <a:r>
+              <a:rPr lang="it-IT" sz="1100" b="0" i="0" u="none" strike="noStrike" cap="none" dirty="0">
+                <a:solidFill>
+                  <a:srgbClr val="000000"/>
+                </a:solidFill>
+                <a:effectLst/>
+                <a:latin typeface="Arial"/>
+                <a:ea typeface="Arial"/>
+                <a:cs typeface="Arial"/>
+                <a:sym typeface="Arial"/>
+              </a:rPr>
+              <a:t>, avendo un valore di F1-score, ossia la media armonica tra le metriche di precisione e recupero, superiore al 75%, contro un massimo del 70% del lavoro presente nello stato dell’arte.</a:t>
+            </a:r>
           </a:p>
         </p:txBody>
       </p:sp>
@@ -12442,20 +12581,75 @@
           </a:bodyPr>
           <a:lstStyle/>
           <a:p>
-            <a:pPr marL="0" lvl="0" indent="0">
-              <a:spcBef>
-                <a:spcPts val="0"/>
-              </a:spcBef>
-              <a:spcAft>
-                <a:spcPts val="0"/>
-              </a:spcAft>
-              <a:buNone/>
-            </a:pPr>
             <a:r>
-              <a:rPr lang="it"/>
-              <a:t>Concludendo, è stato presentato un lavoro di apprendimento non supervisionato al fine di sostituire il medico che sembra promettente, anche attraverso uno studio della divisione temporale ad intervalli dei dati. Inoltre, è stato migliorato il lavoro di classificazione presente allo stato dell’arte. Tra i possibili sviluppi futuri sicuramente c’è la possibilità di migliorare ulteriormente la fase di classificazione e quella di apprendimento non supervisionato, integrando anche il tutto in un dispositivo indossabile per il paziente al fine di fornire stimoli uditori, evitando il blocco motorio.</a:t>
+              <a:rPr lang="it-IT" sz="1100" b="0" i="0" u="none" strike="noStrike" cap="none" dirty="0">
+                <a:solidFill>
+                  <a:srgbClr val="000000"/>
+                </a:solidFill>
+                <a:effectLst/>
+                <a:latin typeface="Arial"/>
+                <a:ea typeface="Arial"/>
+                <a:cs typeface="Arial"/>
+                <a:sym typeface="Arial"/>
+              </a:rPr>
+              <a:t>Concludendo, è stato presentato un approccio non supervisionato per l’etichettatura dei dati, il quale può essere sicuramente migliorato in lavori futuri, ed è stato fornito anche uno studio sulla divisione ad intervalli temporali dei dati. Inoltre, è stato condotto una classificazione di nuovi dati che ha migliorato quanto presente in letteratura, ma che può anche questo essere ulteriormente perfezionato. Il lavoro futuro sicuramente più interessante è l’inserimento di tali meccanismi in un dispositivo indossabile per attuare la previsione in contesti </a:t>
             </a:r>
-            <a:endParaRPr/>
+            <a:r>
+              <a:rPr lang="it-IT" sz="1100" b="0" i="0" u="none" strike="noStrike" cap="none" dirty="0" err="1">
+                <a:solidFill>
+                  <a:srgbClr val="000000"/>
+                </a:solidFill>
+                <a:effectLst/>
+                <a:latin typeface="Arial"/>
+                <a:ea typeface="Arial"/>
+                <a:cs typeface="Arial"/>
+                <a:sym typeface="Arial"/>
+              </a:rPr>
+              <a:t>real</a:t>
+            </a:r>
+            <a:r>
+              <a:rPr lang="it-IT" sz="1100" b="0" i="0" u="none" strike="noStrike" cap="none" dirty="0">
+                <a:solidFill>
+                  <a:srgbClr val="000000"/>
+                </a:solidFill>
+                <a:effectLst/>
+                <a:latin typeface="Arial"/>
+                <a:ea typeface="Arial"/>
+                <a:cs typeface="Arial"/>
+                <a:sym typeface="Arial"/>
+              </a:rPr>
+              <a:t> time.</a:t>
+            </a:r>
+          </a:p>
+          <a:p>
+            <a:r>
+              <a:rPr lang="it-IT" sz="1100" b="0" i="0" u="none" strike="noStrike" cap="none" dirty="0">
+                <a:solidFill>
+                  <a:srgbClr val="000000"/>
+                </a:solidFill>
+                <a:effectLst/>
+                <a:latin typeface="Arial"/>
+                <a:ea typeface="Arial"/>
+                <a:cs typeface="Arial"/>
+                <a:sym typeface="Arial"/>
+              </a:rPr>
+              <a:t> </a:t>
+            </a:r>
+          </a:p>
+          <a:p>
+            <a:r>
+              <a:rPr lang="it-IT" sz="1100" b="0" i="0" u="none" strike="noStrike" cap="none">
+                <a:solidFill>
+                  <a:srgbClr val="000000"/>
+                </a:solidFill>
+                <a:effectLst/>
+                <a:latin typeface="Arial"/>
+                <a:ea typeface="Arial"/>
+                <a:cs typeface="Arial"/>
+                <a:sym typeface="Arial"/>
+              </a:rPr>
+              <a:t>Grazie dell’attenzione, se avete domande sono a vostra disposizione.</a:t>
+            </a:r>
           </a:p>
         </p:txBody>
       </p:sp>
@@ -12560,10 +12754,71 @@
               <a:buNone/>
             </a:pPr>
             <a:r>
-              <a:rPr lang="it"/>
-              <a:t>Quello che oggi vi presenterò seguirà la seguente scaletta: innanzitutto spiegherò brevemente cosa è il FOG, per poi elencare le soluzioni che sono state affrontate fino ad oggi. Enuncerò quindi gli obiettivi del mio lavoro di tesi e dove si differenzia dai lavori presentati e la metodologia del lavoro svolto. Infine, presenterò i risultati sperimentali che sono stati ottenuti attraverso la metodologia usata ed ipotizzo possibili sviluppi al fine di continuare e migliorare questo lavoro di tesi.</a:t>
+              <a:rPr lang="it-IT" sz="1100" b="0" i="0" u="none" strike="noStrike" cap="none" dirty="0">
+                <a:solidFill>
+                  <a:srgbClr val="000000"/>
+                </a:solidFill>
+                <a:effectLst/>
+                <a:latin typeface="Arial"/>
+                <a:ea typeface="Arial"/>
+                <a:cs typeface="Arial"/>
+                <a:sym typeface="Arial"/>
+              </a:rPr>
+              <a:t>Innanzitutto, verrà fornita una definizione del problema chiamato </a:t>
             </a:r>
-            <a:endParaRPr/>
+            <a:r>
+              <a:rPr lang="it-IT" sz="1100" b="0" i="0" u="none" strike="noStrike" cap="none" dirty="0" err="1">
+                <a:solidFill>
+                  <a:srgbClr val="000000"/>
+                </a:solidFill>
+                <a:effectLst/>
+                <a:latin typeface="Arial"/>
+                <a:ea typeface="Arial"/>
+                <a:cs typeface="Arial"/>
+                <a:sym typeface="Arial"/>
+              </a:rPr>
+              <a:t>Freezing</a:t>
+            </a:r>
+            <a:r>
+              <a:rPr lang="it-IT" sz="1100" b="0" i="0" u="none" strike="noStrike" cap="none" dirty="0">
+                <a:solidFill>
+                  <a:srgbClr val="000000"/>
+                </a:solidFill>
+                <a:effectLst/>
+                <a:latin typeface="Arial"/>
+                <a:ea typeface="Arial"/>
+                <a:cs typeface="Arial"/>
+                <a:sym typeface="Arial"/>
+              </a:rPr>
+              <a:t> of </a:t>
+            </a:r>
+            <a:r>
+              <a:rPr lang="it-IT" sz="1100" b="0" i="0" u="none" strike="noStrike" cap="none" dirty="0" err="1">
+                <a:solidFill>
+                  <a:srgbClr val="000000"/>
+                </a:solidFill>
+                <a:effectLst/>
+                <a:latin typeface="Arial"/>
+                <a:ea typeface="Arial"/>
+                <a:cs typeface="Arial"/>
+                <a:sym typeface="Arial"/>
+              </a:rPr>
+              <a:t>Gait</a:t>
+            </a:r>
+            <a:r>
+              <a:rPr lang="it-IT" sz="1100" b="0" i="0" u="none" strike="noStrike" cap="none" dirty="0">
+                <a:solidFill>
+                  <a:srgbClr val="000000"/>
+                </a:solidFill>
+                <a:effectLst/>
+                <a:latin typeface="Arial"/>
+                <a:ea typeface="Arial"/>
+                <a:cs typeface="Arial"/>
+                <a:sym typeface="Arial"/>
+              </a:rPr>
+              <a:t> e verranno presentati gli studi che sono stati condotti da punto di vista informatico per l’identificazione di tale sintomo nel paziente. Verranno poi elencati gli obiettivi che si prefigge questa tesi e la metodologia che è stata seguita per raggiungere tali obiettivi. Infine, verranno esposti i risultati sperimentali che sono stati ottenuti ed i possibili sviluppi futuri per continuare il lavoro svolto.</a:t>
+            </a:r>
+            <a:endParaRPr dirty="0"/>
           </a:p>
         </p:txBody>
       </p:sp>
@@ -12658,32 +12913,90 @@
           </a:bodyPr>
           <a:lstStyle/>
           <a:p>
-            <a:pPr marL="0" lvl="0" indent="0">
-              <a:spcBef>
-                <a:spcPts val="0"/>
-              </a:spcBef>
-              <a:spcAft>
-                <a:spcPts val="0"/>
-              </a:spcAft>
-              <a:buNone/>
+            <a:pPr marL="0" marR="0" lvl="0" indent="0" algn="l" defTabSz="914400" rtl="0" eaLnBrk="1" fontAlgn="auto" latinLnBrk="0" hangingPunct="1">
+              <a:lnSpc>
+                <a:spcPct val="100000"/>
+              </a:lnSpc>
+              <a:spcBef>
+                <a:spcPts val="0"/>
+              </a:spcBef>
+              <a:spcAft>
+                <a:spcPts val="0"/>
+              </a:spcAft>
+              <a:buClr>
+                <a:srgbClr val="000000"/>
+              </a:buClr>
+              <a:buSzPts val="1100"/>
+              <a:buFont typeface="Arial"/>
+              <a:buNone/>
+              <a:tabLst/>
+              <a:defRPr/>
             </a:pPr>
             <a:r>
-              <a:rPr lang="it" dirty="0"/>
-              <a:t>Come tutti sappiamo e purtroppo qualcuno ha di noi ha potuto sperimentare di persona attraverso parenti, il Parkinson è un problema molto sentito dal paziente, che può essere debilitato anche in maniera importante da tale patologia neurodegenerativa che coinvolge in maniera elettiva la capacità di programmare ed eseguire molti movimenti. Tra i sintomi della malattia di Parkinson, il Freezing of Gait (FOG) può sicuramente essere considerato uno dei più debilitanti. Viene  detto anche congelamento o semplicemente blocco motorio ed è un’improvvisa, temporanea e involontaria incapacità di iniziare o proseguire un movimento. I pazienti che ne soffrono affermano che “è come se i piedi rimanessero, per qualche istante, incollati al suolo e non riesco a fare il passo successivo”. Questo blocco può portare a delle cadute poiché, mentre i piedi e le gambe si bloccano, il busto prosegue nel movimento e questo può sbilanciare il paziente.</a:t>
+              <a:rPr lang="it-IT" sz="1100" b="0" i="0" u="none" strike="noStrike" cap="none" dirty="0">
+                <a:solidFill>
+                  <a:srgbClr val="000000"/>
+                </a:solidFill>
+                <a:effectLst/>
+                <a:latin typeface="Arial"/>
+                <a:ea typeface="Arial"/>
+                <a:cs typeface="Arial"/>
+                <a:sym typeface="Arial"/>
+              </a:rPr>
+              <a:t>Come molti di noi purtroppo sanno, il Parkinson è una malattia neurodegenerativa che influisce e limita i movimenti di una persona. Tra i vari sintomi di questa malattia, uno dei più importanti è il </a:t>
             </a:r>
-            <a:endParaRPr dirty="0"/>
-          </a:p>
-          <a:p>
-            <a:pPr marL="0" lvl="0" indent="0">
-              <a:spcBef>
-                <a:spcPts val="0"/>
-              </a:spcBef>
-              <a:spcAft>
-                <a:spcPts val="0"/>
-              </a:spcAft>
-              <a:buNone/>
-            </a:pPr>
-            <a:endParaRPr dirty="0"/>
+            <a:r>
+              <a:rPr lang="it-IT" sz="1100" b="0" i="0" u="none" strike="noStrike" cap="none" dirty="0" err="1">
+                <a:solidFill>
+                  <a:srgbClr val="000000"/>
+                </a:solidFill>
+                <a:effectLst/>
+                <a:latin typeface="Arial"/>
+                <a:ea typeface="Arial"/>
+                <a:cs typeface="Arial"/>
+                <a:sym typeface="Arial"/>
+              </a:rPr>
+              <a:t>Freezing</a:t>
+            </a:r>
+            <a:r>
+              <a:rPr lang="it-IT" sz="1100" b="0" i="0" u="none" strike="noStrike" cap="none" dirty="0">
+                <a:solidFill>
+                  <a:srgbClr val="000000"/>
+                </a:solidFill>
+                <a:effectLst/>
+                <a:latin typeface="Arial"/>
+                <a:ea typeface="Arial"/>
+                <a:cs typeface="Arial"/>
+                <a:sym typeface="Arial"/>
+              </a:rPr>
+              <a:t> of </a:t>
+            </a:r>
+            <a:r>
+              <a:rPr lang="it-IT" sz="1100" b="0" i="0" u="none" strike="noStrike" cap="none" dirty="0" err="1">
+                <a:solidFill>
+                  <a:srgbClr val="000000"/>
+                </a:solidFill>
+                <a:effectLst/>
+                <a:latin typeface="Arial"/>
+                <a:ea typeface="Arial"/>
+                <a:cs typeface="Arial"/>
+                <a:sym typeface="Arial"/>
+              </a:rPr>
+              <a:t>Gait</a:t>
+            </a:r>
+            <a:r>
+              <a:rPr lang="it-IT" sz="1100" b="0" i="0" u="none" strike="noStrike" cap="none" dirty="0">
+                <a:solidFill>
+                  <a:srgbClr val="000000"/>
+                </a:solidFill>
+                <a:effectLst/>
+                <a:latin typeface="Arial"/>
+                <a:ea typeface="Arial"/>
+                <a:cs typeface="Arial"/>
+                <a:sym typeface="Arial"/>
+              </a:rPr>
+              <a:t>. Questo viene chiamato anche congelamento o blocco motorio ed è una temporanea, improvvisa ed involontaria incapacità di iniziare o proseguire un movimento. Le persone che ne soffrono affermano che “è come se i piedi rimanessero, per qualche istante, incollati al suolo con la conseguente impossibilità di eseguire il passo successivo”. Questo può portare a diversi problemi, tra cui quello della caduta, in quanto, mentre gli arti inferiori si bloccano, il busto tende a proseguire nel movimento prefissato e quindi sussiste il rischio dello sbilanciamento posturale.</a:t>
+            </a:r>
           </a:p>
         </p:txBody>
       </p:sp>
@@ -12778,20 +13091,116 @@
           </a:bodyPr>
           <a:lstStyle/>
           <a:p>
-            <a:pPr marL="0" lvl="0" indent="0">
-              <a:spcBef>
-                <a:spcPts val="0"/>
-              </a:spcBef>
-              <a:spcAft>
-                <a:spcPts val="0"/>
-              </a:spcAft>
-              <a:buNone/>
+            <a:pPr marL="0" marR="0" lvl="0" indent="0" algn="l" defTabSz="914400" rtl="0" eaLnBrk="1" fontAlgn="auto" latinLnBrk="0" hangingPunct="1">
+              <a:lnSpc>
+                <a:spcPct val="100000"/>
+              </a:lnSpc>
+              <a:spcBef>
+                <a:spcPts val="0"/>
+              </a:spcBef>
+              <a:spcAft>
+                <a:spcPts val="0"/>
+              </a:spcAft>
+              <a:buClr>
+                <a:srgbClr val="000000"/>
+              </a:buClr>
+              <a:buSzPts val="1100"/>
+              <a:buFont typeface="Arial"/>
+              <a:buNone/>
+              <a:tabLst/>
+              <a:defRPr/>
             </a:pPr>
             <a:r>
-              <a:rPr lang="it"/>
-              <a:t>I lavori che sono stati svolti fino ad oggi riguardano principalmente l’apprendimento supervisionato, ossia l’uso di algoritmi che sfruttano dati i quali sono già stati divisi in determinate classi, quindi etichettati. Principalmente questi lavori si concentrano nell'identificare il FOG o il NOFOG, quindi se il paziente è in blocco motorio o meno, raggiungendo buone percentuali di accuratezza. Un solo lavoro si è concentrato sul tentare di identificare una classe intermedia tra le due, denominata preFOG, che rappresenta il passaggio da uno stato di movimento normale del paziente ad un blocco motorio, ossia il FOG. </a:t>
+              <a:rPr lang="it-IT" sz="1100" b="0" i="0" u="none" strike="noStrike" cap="none" dirty="0">
+                <a:solidFill>
+                  <a:srgbClr val="000000"/>
+                </a:solidFill>
+                <a:effectLst/>
+                <a:latin typeface="Arial"/>
+                <a:ea typeface="Arial"/>
+                <a:cs typeface="Arial"/>
+                <a:sym typeface="Arial"/>
+              </a:rPr>
+              <a:t>Allo stato attuale, gli studi che sono stati condotti dal punto di vista informatico riguardano l’identificazione degli episodi di </a:t>
             </a:r>
-            <a:endParaRPr/>
+            <a:r>
+              <a:rPr lang="it-IT" sz="1100" b="0" i="0" u="none" strike="noStrike" cap="none" dirty="0" err="1">
+                <a:solidFill>
+                  <a:srgbClr val="000000"/>
+                </a:solidFill>
+                <a:effectLst/>
+                <a:latin typeface="Arial"/>
+                <a:ea typeface="Arial"/>
+                <a:cs typeface="Arial"/>
+                <a:sym typeface="Arial"/>
+              </a:rPr>
+              <a:t>Freezing</a:t>
+            </a:r>
+            <a:r>
+              <a:rPr lang="it-IT" sz="1100" b="0" i="0" u="none" strike="noStrike" cap="none" dirty="0">
+                <a:solidFill>
+                  <a:srgbClr val="000000"/>
+                </a:solidFill>
+                <a:effectLst/>
+                <a:latin typeface="Arial"/>
+                <a:ea typeface="Arial"/>
+                <a:cs typeface="Arial"/>
+                <a:sym typeface="Arial"/>
+              </a:rPr>
+              <a:t> mediante degli approcci supervisionati, ossia utilizzando dei dati etichettati da un medico, raggiungendo una buonissima accuratezza. Un lavoro ha introdotto una nuova classe, da loro chiamata </a:t>
+            </a:r>
+            <a:r>
+              <a:rPr lang="it-IT" sz="1100" b="0" i="0" u="none" strike="noStrike" cap="none" dirty="0" err="1">
+                <a:solidFill>
+                  <a:srgbClr val="000000"/>
+                </a:solidFill>
+                <a:effectLst/>
+                <a:latin typeface="Arial"/>
+                <a:ea typeface="Arial"/>
+                <a:cs typeface="Arial"/>
+                <a:sym typeface="Arial"/>
+              </a:rPr>
+              <a:t>preFOG</a:t>
+            </a:r>
+            <a:r>
+              <a:rPr lang="it-IT" sz="1100" b="0" i="0" u="none" strike="noStrike" cap="none" dirty="0">
+                <a:solidFill>
+                  <a:srgbClr val="000000"/>
+                </a:solidFill>
+                <a:effectLst/>
+                <a:latin typeface="Arial"/>
+                <a:ea typeface="Arial"/>
+                <a:cs typeface="Arial"/>
+                <a:sym typeface="Arial"/>
+              </a:rPr>
+              <a:t>, che dovrebbe racchiudere i movimenti precedenti ad un blocco motorio. Il nostro lavoro si vuole concentrare, invece, su un approccio non supervisionato usando la classe </a:t>
+            </a:r>
+            <a:r>
+              <a:rPr lang="it-IT" sz="1100" b="0" i="0" u="none" strike="noStrike" cap="none" dirty="0" err="1">
+                <a:solidFill>
+                  <a:srgbClr val="000000"/>
+                </a:solidFill>
+                <a:effectLst/>
+                <a:latin typeface="Arial"/>
+                <a:ea typeface="Arial"/>
+                <a:cs typeface="Arial"/>
+                <a:sym typeface="Arial"/>
+              </a:rPr>
+              <a:t>preFOG</a:t>
+            </a:r>
+            <a:r>
+              <a:rPr lang="it-IT" sz="1100" b="0" i="0" u="none" strike="noStrike" cap="none" dirty="0">
+                <a:solidFill>
+                  <a:srgbClr val="000000"/>
+                </a:solidFill>
+                <a:effectLst/>
+                <a:latin typeface="Arial"/>
+                <a:ea typeface="Arial"/>
+                <a:cs typeface="Arial"/>
+                <a:sym typeface="Arial"/>
+              </a:rPr>
+              <a:t>, al fine di sostituire il medico nell’etichettatura dei dati, velocizzando ed automatizzando così il processo di identificazione.</a:t>
+            </a:r>
           </a:p>
         </p:txBody>
       </p:sp>
@@ -12886,28 +13295,90 @@
           </a:bodyPr>
           <a:lstStyle/>
           <a:p>
-            <a:pPr marL="0" lvl="0" indent="0">
-              <a:spcBef>
-                <a:spcPts val="0"/>
-              </a:spcBef>
-              <a:spcAft>
-                <a:spcPts val="0"/>
-              </a:spcAft>
-              <a:buNone/>
+            <a:pPr marL="0" marR="0" lvl="0" indent="0" algn="l" defTabSz="914400" rtl="0" eaLnBrk="1" fontAlgn="auto" latinLnBrk="0" hangingPunct="1">
+              <a:lnSpc>
+                <a:spcPct val="100000"/>
+              </a:lnSpc>
+              <a:spcBef>
+                <a:spcPts val="0"/>
+              </a:spcBef>
+              <a:spcAft>
+                <a:spcPts val="0"/>
+              </a:spcAft>
+              <a:buClr>
+                <a:srgbClr val="000000"/>
+              </a:buClr>
+              <a:buSzPts val="1100"/>
+              <a:buFont typeface="Arial"/>
+              <a:buNone/>
+              <a:tabLst/>
+              <a:defRPr/>
             </a:pPr>
             <a:r>
-              <a:rPr lang="it"/>
-              <a:t>Il lavoro di tesi vuole riprendere questo lavoro e condurre innanzitutto uno studio sull’esistenza della classe chiamata preFOG e sulla sua separazione dalle altre due classi, ossia NOFOG e FOG. Successivamente, si pone l’obiettivo di sviluppare un approccio non supervisionato, ossia che usa dati non già divisi in classe da un medico, al fine di etichettare gli stessi, così da sostituire il medico nelle varie fasi di test. In questa sezione, inoltre, viene condotto uno studio di divisione ad intervalli dei dati al fine di ottenere quale sia la migliore divisione temporale degli stessi. Infine, tenta di classificare, e quindi predire, le etichette di nuovi dati, usando 3 classi, ossia le occorrenze di preFOG, FOG e i movimenti normali del paziente. </a:t>
+              <a:rPr lang="it-IT" sz="1100" b="0" i="0" u="none" strike="noStrike" cap="none" dirty="0">
+                <a:solidFill>
+                  <a:srgbClr val="000000"/>
+                </a:solidFill>
+                <a:effectLst/>
+                <a:latin typeface="Arial"/>
+                <a:ea typeface="Arial"/>
+                <a:cs typeface="Arial"/>
+                <a:sym typeface="Arial"/>
+              </a:rPr>
+              <a:t>L’obiettivo principale in cui la tesi si inserisce è di realizzare un dispositivo indossabile per evitare FOG, il quale raccoglie dati da degli accelerometri posizionati sul corpo del paziente e lo stimola sensorialmente in caso di identificazione di un blocco motorio. Per procedere in questa direzione, sono stati perseguiti i seguenti obiettivi: primo, studiare le classi fornite dal dataset e le loro relazioni, soprattutto del </a:t>
             </a:r>
             <a:r>
-              <a:rPr lang="it">
-                <a:highlight>
-                  <a:srgbClr val="FFFFFF"/>
-                </a:highlight>
+              <a:rPr lang="it-IT" sz="1100" b="0" i="0" u="none" strike="noStrike" cap="none" dirty="0" err="1">
+                <a:solidFill>
+                  <a:srgbClr val="000000"/>
+                </a:solidFill>
+                <a:effectLst/>
+                <a:latin typeface="Arial"/>
+                <a:ea typeface="Arial"/>
+                <a:cs typeface="Arial"/>
+                <a:sym typeface="Arial"/>
               </a:rPr>
-              <a:t>L’obiettivo principale in cui la tua tesi si inserisce è quello di realizzare un dispositivo indossabile per evitare FOG.</a:t>
+              <a:t>preFOG</a:t>
             </a:r>
-            <a:endParaRPr/>
+            <a:r>
+              <a:rPr lang="it-IT" sz="1100" b="0" i="0" u="none" strike="noStrike" cap="none" dirty="0">
+                <a:solidFill>
+                  <a:srgbClr val="000000"/>
+                </a:solidFill>
+                <a:effectLst/>
+                <a:latin typeface="Arial"/>
+                <a:ea typeface="Arial"/>
+                <a:cs typeface="Arial"/>
+                <a:sym typeface="Arial"/>
+              </a:rPr>
+              <a:t>; secondo, lo sviluppo di un approccio non supervisionato per l’etichettatura dei dati per l’automatizzazione di questo processo; infine, classificare dei nuovi dati al fine di identificare le occorrenze di </a:t>
+            </a:r>
+            <a:r>
+              <a:rPr lang="it-IT" sz="1100" b="0" i="0" u="none" strike="noStrike" cap="none" dirty="0" err="1">
+                <a:solidFill>
+                  <a:srgbClr val="000000"/>
+                </a:solidFill>
+                <a:effectLst/>
+                <a:latin typeface="Arial"/>
+                <a:ea typeface="Arial"/>
+                <a:cs typeface="Arial"/>
+                <a:sym typeface="Arial"/>
+              </a:rPr>
+              <a:t>preFOG</a:t>
+            </a:r>
+            <a:r>
+              <a:rPr lang="it-IT" sz="1100" b="0" i="0" u="none" strike="noStrike" cap="none" dirty="0">
+                <a:solidFill>
+                  <a:srgbClr val="000000"/>
+                </a:solidFill>
+                <a:effectLst/>
+                <a:latin typeface="Arial"/>
+                <a:ea typeface="Arial"/>
+                <a:cs typeface="Arial"/>
+                <a:sym typeface="Arial"/>
+              </a:rPr>
+              <a:t> e FOG in questi.</a:t>
+            </a:r>
           </a:p>
         </p:txBody>
       </p:sp>
@@ -13002,20 +13473,64 @@
           </a:bodyPr>
           <a:lstStyle/>
           <a:p>
-            <a:pPr marL="0" lvl="0" indent="0">
-              <a:spcBef>
-                <a:spcPts val="0"/>
-              </a:spcBef>
-              <a:spcAft>
-                <a:spcPts val="0"/>
-              </a:spcAft>
-              <a:buNone/>
+            <a:pPr marL="0" marR="0" lvl="0" indent="0" algn="l" defTabSz="914400" rtl="0" eaLnBrk="1" fontAlgn="auto" latinLnBrk="0" hangingPunct="1">
+              <a:lnSpc>
+                <a:spcPct val="100000"/>
+              </a:lnSpc>
+              <a:spcBef>
+                <a:spcPts val="0"/>
+              </a:spcBef>
+              <a:spcAft>
+                <a:spcPts val="0"/>
+              </a:spcAft>
+              <a:buClr>
+                <a:srgbClr val="000000"/>
+              </a:buClr>
+              <a:buSzPts val="1100"/>
+              <a:buFont typeface="Arial"/>
+              <a:buNone/>
+              <a:tabLst/>
+              <a:defRPr/>
             </a:pPr>
             <a:r>
-              <a:rPr lang="it"/>
-              <a:t>L’obiettivo finale della tesi sarebbe quello di applicare gli algoritmi sviluppati in un contesto real time attraverso un dispositivo indossabile dal paziente definito dal seguente schema: raccolgo dati dal dispositivo ed attraverso un apprendimento non supervisionato li etichetto per poi allenare un classificatore su tali dati al fine di rilevare, in tempo reale attraverso un dispositivo, le occorrenze di preFOG, fornendo uno stimolo uditorio al paziente per evitare il blocco del movimento.</a:t>
+              <a:rPr lang="it-IT" sz="1100" b="0" i="0" u="none" strike="noStrike" cap="none" dirty="0">
+                <a:solidFill>
+                  <a:srgbClr val="000000"/>
+                </a:solidFill>
+                <a:effectLst/>
+                <a:latin typeface="Arial"/>
+                <a:ea typeface="Arial"/>
+                <a:cs typeface="Arial"/>
+                <a:sym typeface="Arial"/>
+              </a:rPr>
+              <a:t>L’obiettivo principale si può riassumere nel seguente schema, nel quale il dispositivo indossabile raccoglie i dati ed usando l’approccio non supervisionato li etichetta, generando quindi dei dataset. Su questi viene poi allenato un classificatore che, in tempo reale, prendendo nuovi dati dal dispositivo indossabile, riconosce le istanze di </a:t>
             </a:r>
-            <a:endParaRPr/>
+            <a:r>
+              <a:rPr lang="it-IT" sz="1100" b="0" i="0" u="none" strike="noStrike" cap="none" dirty="0" err="1">
+                <a:solidFill>
+                  <a:srgbClr val="000000"/>
+                </a:solidFill>
+                <a:effectLst/>
+                <a:latin typeface="Arial"/>
+                <a:ea typeface="Arial"/>
+                <a:cs typeface="Arial"/>
+                <a:sym typeface="Arial"/>
+              </a:rPr>
+              <a:t>preFOG</a:t>
+            </a:r>
+            <a:r>
+              <a:rPr lang="it-IT" sz="1100" b="0" i="0" u="none" strike="noStrike" cap="none" dirty="0">
+                <a:solidFill>
+                  <a:srgbClr val="000000"/>
+                </a:solidFill>
+                <a:effectLst/>
+                <a:latin typeface="Arial"/>
+                <a:ea typeface="Arial"/>
+                <a:cs typeface="Arial"/>
+                <a:sym typeface="Arial"/>
+              </a:rPr>
+              <a:t> e fornisce uno stimolo sensoriale al paziente.</a:t>
+            </a:r>
           </a:p>
         </p:txBody>
       </p:sp>
@@ -13110,20 +13625,38 @@
           </a:bodyPr>
           <a:lstStyle/>
           <a:p>
-            <a:pPr marL="0" lvl="0" indent="0">
-              <a:spcBef>
-                <a:spcPts val="0"/>
-              </a:spcBef>
-              <a:spcAft>
-                <a:spcPts val="0"/>
-              </a:spcAft>
-              <a:buNone/>
+            <a:pPr marL="0" marR="0" lvl="0" indent="0" algn="l" defTabSz="914400" rtl="0" eaLnBrk="1" fontAlgn="auto" latinLnBrk="0" hangingPunct="1">
+              <a:lnSpc>
+                <a:spcPct val="100000"/>
+              </a:lnSpc>
+              <a:spcBef>
+                <a:spcPts val="0"/>
+              </a:spcBef>
+              <a:spcAft>
+                <a:spcPts val="0"/>
+              </a:spcAft>
+              <a:buClr>
+                <a:srgbClr val="000000"/>
+              </a:buClr>
+              <a:buSzPts val="1100"/>
+              <a:buFont typeface="Arial"/>
+              <a:buNone/>
+              <a:tabLst/>
+              <a:defRPr/>
             </a:pPr>
             <a:r>
-              <a:rPr lang="it"/>
-              <a:t>Il primo passo che è stato fatto, quindi, è quello di studiare l’esistenza della classe preFOG. Per fare questo, abbiamo usato dei dati provenienti da accelerometri posizionati sul paziente ed etichettati da un medico. Per prima cosa, i dati vengono vettorizzati, ossia quelli presi in un intervallo temporale vengono posti su un’unica riga, ossia vettore, invece di averli in più colonne e righe. Questi vengono poi studiati da un discriminante lineare, il cui scopo è determinare se esiste una divisione tra i dati delle varie classi passate in input. Questo passo permette di studiare se esiste la divisione che cerchiamo, ossia tra il preFOG ed il FOG e NOFOG.</a:t>
+              <a:rPr lang="it-IT" sz="1100" b="0" i="0" u="none" strike="noStrike" cap="none" dirty="0">
+                <a:solidFill>
+                  <a:srgbClr val="000000"/>
+                </a:solidFill>
+                <a:effectLst/>
+                <a:latin typeface="Arial"/>
+                <a:ea typeface="Arial"/>
+                <a:cs typeface="Arial"/>
+                <a:sym typeface="Arial"/>
+              </a:rPr>
+              <a:t>La fase 1, che si prefigge l’obiettivo di studiare le classi del dataset, creato con i dati provenienti da accelerometri e la supervisione di un medico, per prima cosa vettorizza tali dati, per cui prende un sottoinsieme di dati e li pone in un unico vettore. Questi vengono poi studiati da un discriminatore lineare, il quale calcola delle feature, o caratteristiche, utili ad evidenziare una qualche divisione tra le varie classi.</a:t>
             </a:r>
-            <a:endParaRPr/>
           </a:p>
         </p:txBody>
       </p:sp>
@@ -13218,20 +13751,168 @@
           </a:bodyPr>
           <a:lstStyle/>
           <a:p>
-            <a:pPr marL="0" lvl="0" indent="0">
-              <a:spcBef>
-                <a:spcPts val="0"/>
-              </a:spcBef>
-              <a:spcAft>
-                <a:spcPts val="0"/>
-              </a:spcAft>
-              <a:buNone/>
+            <a:pPr marL="0" marR="0" lvl="0" indent="0" algn="l" defTabSz="914400" rtl="0" eaLnBrk="1" fontAlgn="auto" latinLnBrk="0" hangingPunct="1">
+              <a:lnSpc>
+                <a:spcPct val="100000"/>
+              </a:lnSpc>
+              <a:spcBef>
+                <a:spcPts val="0"/>
+              </a:spcBef>
+              <a:spcAft>
+                <a:spcPts val="0"/>
+              </a:spcAft>
+              <a:buClr>
+                <a:srgbClr val="000000"/>
+              </a:buClr>
+              <a:buSzPts val="1100"/>
+              <a:buFont typeface="Arial"/>
+              <a:buNone/>
+              <a:tabLst/>
+              <a:defRPr/>
             </a:pPr>
             <a:r>
-              <a:rPr lang="it"/>
-              <a:t>Il secondo obiettivo della tesi, come detto, è di sviluppare un approccio non supervisionato per etichettare dati. Per fare questo, sono stati presi valori derivanti da accelerometri, pre processati e, scegliendo un valore di intervallo temporale con una certa sovrapposizione tra gli intervalli stessi, si calcolano delle feature, o caratteristiche, dei dati. Sulla scelta appropriata dell’intervallo temporale è stato condotto uno studio attraverso diverse possibili combinazioni tra la durata dell’intervallo stesso e la durata della sovrapposizione delle finestre temporali. Alle feature ottenute vengono applicati degli algoritmi di clustering, quali k-means, reti neurali o c-means, al fine di creare le etichette per i dati. Queste vengono confrontate con le etichette fornite dal paziente per valutare la bontà della metodologia sviluppata.</a:t>
+              <a:rPr lang="it-IT" sz="1100" b="0" i="0" u="none" strike="noStrike" cap="none" dirty="0">
+                <a:solidFill>
+                  <a:srgbClr val="000000"/>
+                </a:solidFill>
+                <a:effectLst/>
+                <a:latin typeface="Arial"/>
+                <a:ea typeface="Arial"/>
+                <a:cs typeface="Arial"/>
+                <a:sym typeface="Arial"/>
+              </a:rPr>
+              <a:t>La fase 2, invece, al fine di etichettare in automatico i dati senza supervisione, dopo una prima fase di </a:t>
             </a:r>
-            <a:endParaRPr/>
+            <a:r>
+              <a:rPr lang="it-IT" sz="1100" b="0" i="0" u="none" strike="noStrike" cap="none" dirty="0" err="1">
+                <a:solidFill>
+                  <a:srgbClr val="000000"/>
+                </a:solidFill>
+                <a:effectLst/>
+                <a:latin typeface="Arial"/>
+                <a:ea typeface="Arial"/>
+                <a:cs typeface="Arial"/>
+                <a:sym typeface="Arial"/>
+              </a:rPr>
+              <a:t>pre</a:t>
+            </a:r>
+            <a:r>
+              <a:rPr lang="it-IT" sz="1100" b="0" i="0" u="none" strike="noStrike" cap="none" dirty="0">
+                <a:solidFill>
+                  <a:srgbClr val="000000"/>
+                </a:solidFill>
+                <a:effectLst/>
+                <a:latin typeface="Arial"/>
+                <a:ea typeface="Arial"/>
+                <a:cs typeface="Arial"/>
+                <a:sym typeface="Arial"/>
+              </a:rPr>
+              <a:t> processamento dei dati, conduce uno studio sulla scelta degli intervalli temporali, ossia quanti dati prendere per un vettore e quanta sovrapposizione avere tra tali dati. Usando tale divisione, vengono calcolate delle feature statistiche quali minimo, massimo, varianza, energia, </a:t>
+            </a:r>
+            <a:r>
+              <a:rPr lang="it-IT" sz="1100" b="0" i="0" u="none" strike="noStrike" cap="none" dirty="0" err="1">
+                <a:solidFill>
+                  <a:srgbClr val="000000"/>
+                </a:solidFill>
+                <a:effectLst/>
+                <a:latin typeface="Arial"/>
+                <a:ea typeface="Arial"/>
+                <a:cs typeface="Arial"/>
+                <a:sym typeface="Arial"/>
+              </a:rPr>
+              <a:t>etc</a:t>
+            </a:r>
+            <a:r>
+              <a:rPr lang="it-IT" sz="1100" b="0" i="0" u="none" strike="noStrike" cap="none" dirty="0">
+                <a:solidFill>
+                  <a:srgbClr val="000000"/>
+                </a:solidFill>
+                <a:effectLst/>
+                <a:latin typeface="Arial"/>
+                <a:ea typeface="Arial"/>
+                <a:cs typeface="Arial"/>
+                <a:sym typeface="Arial"/>
+              </a:rPr>
+              <a:t> e, questa matrice di caratteristiche del segnale, vengono date in input a degli algoritmi di </a:t>
+            </a:r>
+            <a:r>
+              <a:rPr lang="it-IT" sz="1100" b="0" i="0" u="none" strike="noStrike" cap="none" dirty="0" err="1">
+                <a:solidFill>
+                  <a:srgbClr val="000000"/>
+                </a:solidFill>
+                <a:effectLst/>
+                <a:latin typeface="Arial"/>
+                <a:ea typeface="Arial"/>
+                <a:cs typeface="Arial"/>
+                <a:sym typeface="Arial"/>
+              </a:rPr>
+              <a:t>clustering</a:t>
+            </a:r>
+            <a:r>
+              <a:rPr lang="it-IT" sz="1100" b="0" i="0" u="none" strike="noStrike" cap="none" dirty="0">
+                <a:solidFill>
+                  <a:srgbClr val="000000"/>
+                </a:solidFill>
+                <a:effectLst/>
+                <a:latin typeface="Arial"/>
+                <a:ea typeface="Arial"/>
+                <a:cs typeface="Arial"/>
+                <a:sym typeface="Arial"/>
+              </a:rPr>
+              <a:t>, quali c-</a:t>
+            </a:r>
+            <a:r>
+              <a:rPr lang="it-IT" sz="1100" b="0" i="0" u="none" strike="noStrike" cap="none" dirty="0" err="1">
+                <a:solidFill>
+                  <a:srgbClr val="000000"/>
+                </a:solidFill>
+                <a:effectLst/>
+                <a:latin typeface="Arial"/>
+                <a:ea typeface="Arial"/>
+                <a:cs typeface="Arial"/>
+                <a:sym typeface="Arial"/>
+              </a:rPr>
+              <a:t>means</a:t>
+            </a:r>
+            <a:r>
+              <a:rPr lang="it-IT" sz="1100" b="0" i="0" u="none" strike="noStrike" cap="none" dirty="0">
+                <a:solidFill>
+                  <a:srgbClr val="000000"/>
+                </a:solidFill>
+                <a:effectLst/>
+                <a:latin typeface="Arial"/>
+                <a:ea typeface="Arial"/>
+                <a:cs typeface="Arial"/>
+                <a:sym typeface="Arial"/>
+              </a:rPr>
+              <a:t>, reti neurali e k-</a:t>
+            </a:r>
+            <a:r>
+              <a:rPr lang="it-IT" sz="1100" b="0" i="0" u="none" strike="noStrike" cap="none" dirty="0" err="1">
+                <a:solidFill>
+                  <a:srgbClr val="000000"/>
+                </a:solidFill>
+                <a:effectLst/>
+                <a:latin typeface="Arial"/>
+                <a:ea typeface="Arial"/>
+                <a:cs typeface="Arial"/>
+                <a:sym typeface="Arial"/>
+              </a:rPr>
+              <a:t>means</a:t>
+            </a:r>
+            <a:r>
+              <a:rPr lang="it-IT" sz="1100" b="0" i="0" u="none" strike="noStrike" cap="none" dirty="0">
+                <a:solidFill>
+                  <a:srgbClr val="000000"/>
+                </a:solidFill>
+                <a:effectLst/>
+                <a:latin typeface="Arial"/>
+                <a:ea typeface="Arial"/>
+                <a:cs typeface="Arial"/>
+                <a:sym typeface="Arial"/>
+              </a:rPr>
+              <a:t>, il quale ha portato ad i migliori risultati. Questi forniscono, come output, delle etichette, che rappresentano l’assegnazione dei dati alle varie classi. </a:t>
+            </a:r>
           </a:p>
         </p:txBody>
       </p:sp>
@@ -13326,20 +14007,116 @@
           </a:bodyPr>
           <a:lstStyle/>
           <a:p>
-            <a:pPr marL="0" lvl="0" indent="0">
-              <a:spcBef>
-                <a:spcPts val="0"/>
-              </a:spcBef>
-              <a:spcAft>
-                <a:spcPts val="0"/>
-              </a:spcAft>
-              <a:buNone/>
+            <a:pPr marL="0" marR="0" lvl="0" indent="0" algn="l" defTabSz="914400" rtl="0" eaLnBrk="1" fontAlgn="auto" latinLnBrk="0" hangingPunct="1">
+              <a:lnSpc>
+                <a:spcPct val="100000"/>
+              </a:lnSpc>
+              <a:spcBef>
+                <a:spcPts val="0"/>
+              </a:spcBef>
+              <a:spcAft>
+                <a:spcPts val="0"/>
+              </a:spcAft>
+              <a:buClr>
+                <a:srgbClr val="000000"/>
+              </a:buClr>
+              <a:buSzPts val="1100"/>
+              <a:buFont typeface="Arial"/>
+              <a:buNone/>
+              <a:tabLst/>
+              <a:defRPr/>
             </a:pPr>
             <a:r>
-              <a:rPr lang="it"/>
-              <a:t>Per classificare e quindi predire a quale istanza, se di FOG, preFOG o NOFOG, appartengono nuovi dati a partire dalle etichette di un dataset, viene allenato un classificatore, nel nostro caso il k-nearest neighbors, dopo aver applicato la metodologia della fase 1, ossia il discriminante lineare. Una volta che il classificatore è allenato su tali dati, si prendono nuove istanze non ancora etichettate e si passano in input al classificatore, il quale restituisce l’etichettatura dei nuovi dati al fine di identificare le occorrenze di preFOG. Questo permetterebbe una previsione del FOG in quanto si riuscirebbe a dare uno stimolo uditorio al paziente, evitandogli il blocco del movimento.</a:t>
+              <a:rPr lang="it-IT" sz="1100" b="0" i="0" u="none" strike="noStrike" cap="none" dirty="0">
+                <a:solidFill>
+                  <a:srgbClr val="000000"/>
+                </a:solidFill>
+                <a:effectLst/>
+                <a:latin typeface="Arial"/>
+                <a:ea typeface="Arial"/>
+                <a:cs typeface="Arial"/>
+                <a:sym typeface="Arial"/>
+              </a:rPr>
+              <a:t>La fase 3, il cui scopo è classificare nuovi dati, studia i dati di un dataset a questo punto etichettato e passa le feature ricavate dal discriminatore lineare ad un classificatore, il quale si allena su tali dati al fine di imparare a riconoscere le varie istanze di </a:t>
             </a:r>
-            <a:endParaRPr/>
+            <a:r>
+              <a:rPr lang="it-IT" sz="1100" b="0" i="0" u="none" strike="noStrike" cap="none" dirty="0" err="1">
+                <a:solidFill>
+                  <a:srgbClr val="000000"/>
+                </a:solidFill>
+                <a:effectLst/>
+                <a:latin typeface="Arial"/>
+                <a:ea typeface="Arial"/>
+                <a:cs typeface="Arial"/>
+                <a:sym typeface="Arial"/>
+              </a:rPr>
+              <a:t>preFOG</a:t>
+            </a:r>
+            <a:r>
+              <a:rPr lang="it-IT" sz="1100" b="0" i="0" u="none" strike="noStrike" cap="none" dirty="0">
+                <a:solidFill>
+                  <a:srgbClr val="000000"/>
+                </a:solidFill>
+                <a:effectLst/>
+                <a:latin typeface="Arial"/>
+                <a:ea typeface="Arial"/>
+                <a:cs typeface="Arial"/>
+                <a:sym typeface="Arial"/>
+              </a:rPr>
+              <a:t>, FOG e NOFOG. Una volta allenato, viene testato su dei nuovi dati e li etichetta, identificando quindi le occorrenze di </a:t>
+            </a:r>
+            <a:r>
+              <a:rPr lang="it-IT" sz="1100" b="0" i="0" u="none" strike="noStrike" cap="none" dirty="0" err="1">
+                <a:solidFill>
+                  <a:srgbClr val="000000"/>
+                </a:solidFill>
+                <a:effectLst/>
+                <a:latin typeface="Arial"/>
+                <a:ea typeface="Arial"/>
+                <a:cs typeface="Arial"/>
+                <a:sym typeface="Arial"/>
+              </a:rPr>
+              <a:t>preFOG</a:t>
+            </a:r>
+            <a:r>
+              <a:rPr lang="it-IT" sz="1100" b="0" i="0" u="none" strike="noStrike" cap="none" dirty="0">
+                <a:solidFill>
+                  <a:srgbClr val="000000"/>
+                </a:solidFill>
+                <a:effectLst/>
+                <a:latin typeface="Arial"/>
+                <a:ea typeface="Arial"/>
+                <a:cs typeface="Arial"/>
+                <a:sym typeface="Arial"/>
+              </a:rPr>
+              <a:t> e, in un contesto </a:t>
+            </a:r>
+            <a:r>
+              <a:rPr lang="it-IT" sz="1100" b="0" i="0" u="none" strike="noStrike" cap="none" dirty="0" err="1">
+                <a:solidFill>
+                  <a:srgbClr val="000000"/>
+                </a:solidFill>
+                <a:effectLst/>
+                <a:latin typeface="Arial"/>
+                <a:ea typeface="Arial"/>
+                <a:cs typeface="Arial"/>
+                <a:sym typeface="Arial"/>
+              </a:rPr>
+              <a:t>real</a:t>
+            </a:r>
+            <a:r>
+              <a:rPr lang="it-IT" sz="1100" b="0" i="0" u="none" strike="noStrike" cap="none" dirty="0">
+                <a:solidFill>
+                  <a:srgbClr val="000000"/>
+                </a:solidFill>
+                <a:effectLst/>
+                <a:latin typeface="Arial"/>
+                <a:ea typeface="Arial"/>
+                <a:cs typeface="Arial"/>
+                <a:sym typeface="Arial"/>
+              </a:rPr>
+              <a:t> time, fornisce uno stimolo sensoriale attraverso il dispositivo indossabile.</a:t>
+            </a:r>
           </a:p>
         </p:txBody>
       </p:sp>
@@ -21722,6 +22499,103 @@
           </a:p>
         </p:txBody>
       </p:sp>
+      <mc:AlternateContent xmlns:mc="http://schemas.openxmlformats.org/markup-compatibility/2006">
+        <mc:Choice xmlns:pslz="http://schemas.microsoft.com/office/powerpoint/2016/slidezoom" Requires="pslz">
+          <p:graphicFrame>
+            <p:nvGraphicFramePr>
+              <p:cNvPr id="3" name="Anteprima della diapositiva 2">
+                <a:extLst>
+                  <a:ext uri="{FF2B5EF4-FFF2-40B4-BE49-F238E27FC236}">
+                    <a16:creationId xmlns:a16="http://schemas.microsoft.com/office/drawing/2014/main" id="{2D29F05E-6413-4E5B-ADBD-7EF29945C45C}"/>
+                  </a:ext>
+                </a:extLst>
+              </p:cNvPr>
+              <p:cNvGraphicFramePr>
+                <a:graphicFrameLocks noChangeAspect="1"/>
+              </p:cNvGraphicFramePr>
+              <p:nvPr>
+                <p:extLst>
+                  <p:ext uri="{D42A27DB-BD31-4B8C-83A1-F6EECF244321}">
+                    <p14:modId xmlns:p14="http://schemas.microsoft.com/office/powerpoint/2010/main" val="761954169"/>
+                  </p:ext>
+                </p:extLst>
+              </p:nvPr>
+            </p:nvGraphicFramePr>
+            <p:xfrm>
+              <a:off x="-1178442" y="4025887"/>
+              <a:ext cx="2286000" cy="1285875"/>
+            </p:xfrm>
+            <a:graphic>
+              <a:graphicData uri="http://schemas.microsoft.com/office/powerpoint/2016/slidezoom">
+                <pslz:sldZm>
+                  <pslz:sldZmObj sldId="265" cId="0">
+                    <pslz:zmPr id="{E77BF1B3-1A12-4F5C-9F3C-8FA5223A83C4}" returnToParent="0" transitionDur="1000">
+                      <p166:blipFill xmlns:p166="http://schemas.microsoft.com/office/powerpoint/2016/6/main">
+                        <a:blip r:embed="rId7"/>
+                        <a:stretch>
+                          <a:fillRect/>
+                        </a:stretch>
+                      </p166:blipFill>
+                      <p166:spPr xmlns:p166="http://schemas.microsoft.com/office/powerpoint/2016/6/main">
+                        <a:xfrm>
+                          <a:off x="0" y="0"/>
+                          <a:ext cx="2286000" cy="1285875"/>
+                        </a:xfrm>
+                        <a:prstGeom prst="rect">
+                          <a:avLst/>
+                        </a:prstGeom>
+                        <a:ln w="3175">
+                          <a:solidFill>
+                            <a:prstClr val="ltGray"/>
+                          </a:solidFill>
+                        </a:ln>
+                      </p166:spPr>
+                    </pslz:zmPr>
+                  </pslz:sldZmObj>
+                </pslz:sldZm>
+              </a:graphicData>
+            </a:graphic>
+          </p:graphicFrame>
+        </mc:Choice>
+        <mc:Fallback>
+          <p:pic>
+            <p:nvPicPr>
+              <p:cNvPr id="3" name="Anteprima della diapositiva 2">
+                <a:hlinkClick r:id="rId8" action="ppaction://hlinksldjump"/>
+                <a:extLst>
+                  <a:ext uri="{FF2B5EF4-FFF2-40B4-BE49-F238E27FC236}">
+                    <a16:creationId xmlns:a16="http://schemas.microsoft.com/office/drawing/2014/main" id="{2D29F05E-6413-4E5B-ADBD-7EF29945C45C}"/>
+                  </a:ext>
+                </a:extLst>
+              </p:cNvPr>
+              <p:cNvPicPr>
+                <a:picLocks noGrp="1" noRot="1" noChangeAspect="1" noMove="1" noResize="1" noEditPoints="1" noAdjustHandles="1" noChangeArrowheads="1" noChangeShapeType="1"/>
+              </p:cNvPicPr>
+              <p:nvPr/>
+            </p:nvPicPr>
+            <p:blipFill>
+              <a:blip r:embed="rId7"/>
+              <a:stretch>
+                <a:fillRect/>
+              </a:stretch>
+            </p:blipFill>
+            <p:spPr>
+              <a:xfrm>
+                <a:off x="-1178442" y="4025887"/>
+                <a:ext cx="2286000" cy="1285875"/>
+              </a:xfrm>
+              <a:prstGeom prst="rect">
+                <a:avLst/>
+              </a:prstGeom>
+              <a:ln w="3175">
+                <a:solidFill>
+                  <a:prstClr val="ltGray"/>
+                </a:solidFill>
+              </a:ln>
+            </p:spPr>
+          </p:pic>
+        </mc:Fallback>
+      </mc:AlternateContent>
     </p:spTree>
   </p:cSld>
   <p:clrMapOvr>

--- a/Apprendimento non supervisionato per l’identificazione di contesti di Freezing of Gait (FOG) in pazienti affetti da Morbo di Parkinson.pptx
+++ b/Apprendimento non supervisionato per l’identificazione di contesti di Freezing of Gait (FOG) in pazienti affetti da Morbo di Parkinson.pptx
@@ -12459,7 +12459,7 @@
                 <a:cs typeface="Arial"/>
                 <a:sym typeface="Arial"/>
               </a:rPr>
-              <a:t>L’etichettatura dei dati non supervisionata sembra molto promettente, in quanto fornisce un’accuratezza di divisione in classi sempre superiore al 70%, con casi superiori al 90%. La fase 3, per la previsione di nuovi dati, migliora l’unico studio presenta in letteratura per la classe </a:t>
+              <a:t>L’etichettatura dei dati non supervisionata sembra molto promettente, in quanto fornisce un’accuratezza di divisione in classi sempre superiore al 70%, con casi superiori al 90% ed una media dell’85%, minore delle classificazioni presenti in letteratura. La fase 3, per la previsione di nuovi dati, migliora l’unico studio presenta in letteratura per la classe </a:t>
             </a:r>
             <a:r>
               <a:rPr lang="it-IT" sz="1100" b="0" i="0" u="none" strike="noStrike" cap="none" dirty="0" err="1">
@@ -12995,7 +12995,7 @@
                 <a:cs typeface="Arial"/>
                 <a:sym typeface="Arial"/>
               </a:rPr>
-              <a:t>. Questo viene chiamato anche congelamento o blocco motorio ed è una temporanea, improvvisa ed involontaria incapacità di iniziare o proseguire un movimento. Le persone che ne soffrono affermano che “è come se i piedi rimanessero, per qualche istante, incollati al suolo con la conseguente impossibilità di eseguire il passo successivo”. Questo può portare a diversi problemi, tra cui quello della caduta, in quanto, mentre gli arti inferiori si bloccano, il busto tende a proseguire nel movimento prefissato e quindi sussiste il rischio dello sbilanciamento posturale.</a:t>
+              <a:t>. Questo viene chiamato anche congelamento o blocco motorio ed è una temporanea, improvvisa ed involontaria incapacità di iniziare o proseguire un movimento. Le persone che ne soffrono affermano che “è come se i piedi rimanessero, per qualche istante, incollati al suolo con la conseguente impossibilità di eseguire il passo successivo”. Questo può portare a diversi problemi, tra cui quello della caduta, in quanto, mentre gli arti inferiori si bloccano, il busto tende a proseguire nel movimento prefissato e quindi sussiste il rischio dello sbilanciamento posturale. L’uscita dalla fase di FOG viene facilitata fornendo uno stimolo sensoriale.</a:t>
             </a:r>
           </a:p>
         </p:txBody>
@@ -13147,7 +13147,7 @@
                 <a:cs typeface="Arial"/>
                 <a:sym typeface="Arial"/>
               </a:rPr>
-              <a:t> mediante degli approcci supervisionati, ossia utilizzando dei dati etichettati da un medico, raggiungendo una buonissima accuratezza. Un lavoro ha introdotto una nuova classe, da loro chiamata </a:t>
+              <a:t> mediante degli approcci supervisionati, ossia utilizzando dei dati etichettati da un medico, mentre un lavoro ha introdotto una nuova classe, da loro chiamata </a:t>
             </a:r>
             <a:r>
               <a:rPr lang="it-IT" sz="1100" b="0" i="0" u="none" strike="noStrike" cap="none" dirty="0" err="1">
@@ -13173,7 +13173,7 @@
                 <a:cs typeface="Arial"/>
                 <a:sym typeface="Arial"/>
               </a:rPr>
-              <a:t>, che dovrebbe racchiudere i movimenti precedenti ad un blocco motorio. Il nostro lavoro si vuole concentrare, invece, su un approccio non supervisionato usando la classe </a:t>
+              <a:t>, che racchiude i movimenti precedenti ad un blocco motorio. Il nostro lavoro si vuole concentrare su un approccio non supervisionato usando la classe </a:t>
             </a:r>
             <a:r>
               <a:rPr lang="it-IT" sz="1100" b="0" i="0" u="none" strike="noStrike" cap="none" dirty="0" err="1">
@@ -13655,7 +13655,7 @@
                 <a:cs typeface="Arial"/>
                 <a:sym typeface="Arial"/>
               </a:rPr>
-              <a:t>La fase 1, che si prefigge l’obiettivo di studiare le classi del dataset, creato con i dati provenienti da accelerometri e la supervisione di un medico, per prima cosa vettorizza tali dati, per cui prende un sottoinsieme di dati e li pone in un unico vettore. Questi vengono poi studiati da un discriminatore lineare, il quale calcola delle feature, o caratteristiche, utili ad evidenziare una qualche divisione tra le varie classi.</a:t>
+              <a:t>La fase 1, che si prefigge l’obiettivo di studiare le classi del dataset, creato con i dati provenienti da accelerometri e la supervisione di un medico, per prima cosa vettorizza tali dati, per cui prende un sottoinsieme di dati e li pone in un unico vettore. Questi vengono poi studiati da un discriminatore lineare, il quale calcola delle feature, o caratteristiche, utili ad evidenziare, attraverso dei classificatori, differenze tra le varie classi.</a:t>
             </a:r>
           </a:p>
         </p:txBody>
@@ -13781,7 +13781,7 @@
                 <a:cs typeface="Arial"/>
                 <a:sym typeface="Arial"/>
               </a:rPr>
-              <a:t>La fase 2, invece, al fine di etichettare in automatico i dati senza supervisione, dopo una prima fase di </a:t>
+              <a:t>Poiché la divisione ad intervalli dei dati dopo una prima fase di </a:t>
             </a:r>
             <a:r>
               <a:rPr lang="it-IT" sz="1100" b="0" i="0" u="none" strike="noStrike" cap="none" dirty="0" err="1">
@@ -13807,7 +13807,7 @@
                 <a:cs typeface="Arial"/>
                 <a:sym typeface="Arial"/>
               </a:rPr>
-              <a:t> processamento dei dati, conduce uno studio sulla scelta degli intervalli temporali, ossia quanti dati prendere per un vettore e quanta sovrapposizione avere tra tali dati. Usando tale divisione, vengono calcolate delle feature statistiche quali minimo, massimo, varianza, energia, </a:t>
+              <a:t> processamento dei dati in letteratura non è stato approfondito, il nostro lavoro conduce uno studio sulla scelta degli intervalli temporali, ossia quanti dati prendere per un vettore e quanta sovrapposizione avere tra tali dati. Usando tale divisione, vengono calcolate delle feature statistiche quali minimo, massimo, varianza, energia, </a:t>
             </a:r>
             <a:r>
               <a:rPr lang="it-IT" sz="1100" b="0" i="0" u="none" strike="noStrike" cap="none" dirty="0" err="1">
@@ -13833,7 +13833,7 @@
                 <a:cs typeface="Arial"/>
                 <a:sym typeface="Arial"/>
               </a:rPr>
-              <a:t> e, questa matrice di caratteristiche del segnale, vengono date in input a degli algoritmi di </a:t>
+              <a:t> e, questa matrice di caratteristiche del segnale, viene data in input a degli algoritmi di </a:t>
             </a:r>
             <a:r>
               <a:rPr lang="it-IT" sz="1100" b="0" i="0" u="none" strike="noStrike" cap="none" dirty="0" err="1">
@@ -13911,7 +13911,7 @@
                 <a:cs typeface="Arial"/>
                 <a:sym typeface="Arial"/>
               </a:rPr>
-              <a:t>, il quale ha portato ad i migliori risultati. Questi forniscono, come output, delle etichette, che rappresentano l’assegnazione dei dati alle varie classi. </a:t>
+              <a:t>, il quale ha portato ad i migliori risultati. Questi forniscono, come output, delle etichette, che rappresentano l’assegnazione dei dati alle varie classi.</a:t>
             </a:r>
           </a:p>
         </p:txBody>
@@ -14037,33 +14037,7 @@
                 <a:cs typeface="Arial"/>
                 <a:sym typeface="Arial"/>
               </a:rPr>
-              <a:t>La fase 3, il cui scopo è classificare nuovi dati, studia i dati di un dataset a questo punto etichettato e passa le feature ricavate dal discriminatore lineare ad un classificatore, il quale si allena su tali dati al fine di imparare a riconoscere le varie istanze di </a:t>
-            </a:r>
-            <a:r>
-              <a:rPr lang="it-IT" sz="1100" b="0" i="0" u="none" strike="noStrike" cap="none" dirty="0" err="1">
-                <a:solidFill>
-                  <a:srgbClr val="000000"/>
-                </a:solidFill>
-                <a:effectLst/>
-                <a:latin typeface="Arial"/>
-                <a:ea typeface="Arial"/>
-                <a:cs typeface="Arial"/>
-                <a:sym typeface="Arial"/>
-              </a:rPr>
-              <a:t>preFOG</a:t>
-            </a:r>
-            <a:r>
-              <a:rPr lang="it-IT" sz="1100" b="0" i="0" u="none" strike="noStrike" cap="none" dirty="0">
-                <a:solidFill>
-                  <a:srgbClr val="000000"/>
-                </a:solidFill>
-                <a:effectLst/>
-                <a:latin typeface="Arial"/>
-                <a:ea typeface="Arial"/>
-                <a:cs typeface="Arial"/>
-                <a:sym typeface="Arial"/>
-              </a:rPr>
-              <a:t>, FOG e NOFOG. Una volta allenato, viene testato su dei nuovi dati e li etichetta, identificando quindi le occorrenze di </a:t>
+              <a:t>Una volta etichettati i dati, si passano le feature ricavate dal discriminatore lineare ad un classificatore, il quale usa tali dati come fare di apprendimento per poi, usando nuovi dati non presenti nel dataset iniziale come test, assegnare le etichette ad i nuovi dati, identificando il </a:t>
             </a:r>
             <a:r>
               <a:rPr lang="it-IT" sz="1100" b="0" i="0" u="none" strike="noStrike" cap="none" dirty="0" err="1">
@@ -14115,7 +14089,7 @@
                 <a:cs typeface="Arial"/>
                 <a:sym typeface="Arial"/>
               </a:rPr>
-              <a:t> time, fornisce uno stimolo sensoriale attraverso il dispositivo indossabile.</a:t>
+              <a:t> time, fornire uno stimolo sensoriale attraverso il dispositivo indossabile.</a:t>
             </a:r>
           </a:p>
         </p:txBody>
@@ -22499,103 +22473,6 @@
           </a:p>
         </p:txBody>
       </p:sp>
-      <mc:AlternateContent xmlns:mc="http://schemas.openxmlformats.org/markup-compatibility/2006">
-        <mc:Choice xmlns:pslz="http://schemas.microsoft.com/office/powerpoint/2016/slidezoom" Requires="pslz">
-          <p:graphicFrame>
-            <p:nvGraphicFramePr>
-              <p:cNvPr id="3" name="Anteprima della diapositiva 2">
-                <a:extLst>
-                  <a:ext uri="{FF2B5EF4-FFF2-40B4-BE49-F238E27FC236}">
-                    <a16:creationId xmlns:a16="http://schemas.microsoft.com/office/drawing/2014/main" id="{2D29F05E-6413-4E5B-ADBD-7EF29945C45C}"/>
-                  </a:ext>
-                </a:extLst>
-              </p:cNvPr>
-              <p:cNvGraphicFramePr>
-                <a:graphicFrameLocks noChangeAspect="1"/>
-              </p:cNvGraphicFramePr>
-              <p:nvPr>
-                <p:extLst>
-                  <p:ext uri="{D42A27DB-BD31-4B8C-83A1-F6EECF244321}">
-                    <p14:modId xmlns:p14="http://schemas.microsoft.com/office/powerpoint/2010/main" val="761954169"/>
-                  </p:ext>
-                </p:extLst>
-              </p:nvPr>
-            </p:nvGraphicFramePr>
-            <p:xfrm>
-              <a:off x="-1178442" y="4025887"/>
-              <a:ext cx="2286000" cy="1285875"/>
-            </p:xfrm>
-            <a:graphic>
-              <a:graphicData uri="http://schemas.microsoft.com/office/powerpoint/2016/slidezoom">
-                <pslz:sldZm>
-                  <pslz:sldZmObj sldId="265" cId="0">
-                    <pslz:zmPr id="{E77BF1B3-1A12-4F5C-9F3C-8FA5223A83C4}" returnToParent="0" transitionDur="1000">
-                      <p166:blipFill xmlns:p166="http://schemas.microsoft.com/office/powerpoint/2016/6/main">
-                        <a:blip r:embed="rId7"/>
-                        <a:stretch>
-                          <a:fillRect/>
-                        </a:stretch>
-                      </p166:blipFill>
-                      <p166:spPr xmlns:p166="http://schemas.microsoft.com/office/powerpoint/2016/6/main">
-                        <a:xfrm>
-                          <a:off x="0" y="0"/>
-                          <a:ext cx="2286000" cy="1285875"/>
-                        </a:xfrm>
-                        <a:prstGeom prst="rect">
-                          <a:avLst/>
-                        </a:prstGeom>
-                        <a:ln w="3175">
-                          <a:solidFill>
-                            <a:prstClr val="ltGray"/>
-                          </a:solidFill>
-                        </a:ln>
-                      </p166:spPr>
-                    </pslz:zmPr>
-                  </pslz:sldZmObj>
-                </pslz:sldZm>
-              </a:graphicData>
-            </a:graphic>
-          </p:graphicFrame>
-        </mc:Choice>
-        <mc:Fallback>
-          <p:pic>
-            <p:nvPicPr>
-              <p:cNvPr id="3" name="Anteprima della diapositiva 2">
-                <a:hlinkClick r:id="rId8" action="ppaction://hlinksldjump"/>
-                <a:extLst>
-                  <a:ext uri="{FF2B5EF4-FFF2-40B4-BE49-F238E27FC236}">
-                    <a16:creationId xmlns:a16="http://schemas.microsoft.com/office/drawing/2014/main" id="{2D29F05E-6413-4E5B-ADBD-7EF29945C45C}"/>
-                  </a:ext>
-                </a:extLst>
-              </p:cNvPr>
-              <p:cNvPicPr>
-                <a:picLocks noGrp="1" noRot="1" noChangeAspect="1" noMove="1" noResize="1" noEditPoints="1" noAdjustHandles="1" noChangeArrowheads="1" noChangeShapeType="1"/>
-              </p:cNvPicPr>
-              <p:nvPr/>
-            </p:nvPicPr>
-            <p:blipFill>
-              <a:blip r:embed="rId7"/>
-              <a:stretch>
-                <a:fillRect/>
-              </a:stretch>
-            </p:blipFill>
-            <p:spPr>
-              <a:xfrm>
-                <a:off x="-1178442" y="4025887"/>
-                <a:ext cx="2286000" cy="1285875"/>
-              </a:xfrm>
-              <a:prstGeom prst="rect">
-                <a:avLst/>
-              </a:prstGeom>
-              <a:ln w="3175">
-                <a:solidFill>
-                  <a:prstClr val="ltGray"/>
-                </a:solidFill>
-              </a:ln>
-            </p:spPr>
-          </p:pic>
-        </mc:Fallback>
-      </mc:AlternateContent>
     </p:spTree>
   </p:cSld>
   <p:clrMapOvr>
@@ -25792,6 +25669,860 @@
               <a:rPr lang="it"/>
               <a:t>/12</a:t>
             </a:r>
+            <a:endParaRPr/>
+          </a:p>
+        </p:txBody>
+      </p:sp>
+      <p:sp>
+        <p:nvSpPr>
+          <p:cNvPr id="31" name="Shape 172">
+            <a:extLst>
+              <a:ext uri="{FF2B5EF4-FFF2-40B4-BE49-F238E27FC236}">
+                <a16:creationId xmlns:a16="http://schemas.microsoft.com/office/drawing/2014/main" id="{B886A491-4BF7-4579-A7C4-D103FCFCB86E}"/>
+              </a:ext>
+            </a:extLst>
+          </p:cNvPr>
+          <p:cNvSpPr/>
+          <p:nvPr/>
+        </p:nvSpPr>
+        <p:spPr>
+          <a:xfrm rot="-1931907">
+            <a:off x="897495" y="1391942"/>
+            <a:ext cx="198178" cy="406387"/>
+          </a:xfrm>
+          <a:prstGeom prst="roundRect">
+            <a:avLst>
+              <a:gd name="adj" fmla="val 16667"/>
+            </a:avLst>
+          </a:prstGeom>
+          <a:solidFill>
+            <a:srgbClr val="FFFFFF"/>
+          </a:solidFill>
+          <a:ln w="28575" cap="flat" cmpd="sng">
+            <a:solidFill>
+              <a:srgbClr val="000000"/>
+            </a:solidFill>
+            <a:prstDash val="solid"/>
+            <a:round/>
+            <a:headEnd type="none" w="sm" len="sm"/>
+            <a:tailEnd type="none" w="sm" len="sm"/>
+          </a:ln>
+        </p:spPr>
+        <p:txBody>
+          <a:bodyPr spcFirstLastPara="1" wrap="square" lIns="91425" tIns="91425" rIns="91425" bIns="91425" anchor="ctr" anchorCtr="0">
+            <a:noAutofit/>
+          </a:bodyPr>
+          <a:lstStyle/>
+          <a:p>
+            <a:pPr marL="0" lvl="0" indent="0">
+              <a:spcBef>
+                <a:spcPts val="0"/>
+              </a:spcBef>
+              <a:spcAft>
+                <a:spcPts val="0"/>
+              </a:spcAft>
+              <a:buNone/>
+            </a:pPr>
+            <a:endParaRPr/>
+          </a:p>
+        </p:txBody>
+      </p:sp>
+      <p:sp>
+        <p:nvSpPr>
+          <p:cNvPr id="32" name="Shape 173">
+            <a:extLst>
+              <a:ext uri="{FF2B5EF4-FFF2-40B4-BE49-F238E27FC236}">
+                <a16:creationId xmlns:a16="http://schemas.microsoft.com/office/drawing/2014/main" id="{287596B0-AF14-4E15-A643-CB0587313C43}"/>
+              </a:ext>
+            </a:extLst>
+          </p:cNvPr>
+          <p:cNvSpPr/>
+          <p:nvPr/>
+        </p:nvSpPr>
+        <p:spPr>
+          <a:xfrm rot="3179790">
+            <a:off x="629891" y="799676"/>
+            <a:ext cx="205861" cy="255753"/>
+          </a:xfrm>
+          <a:prstGeom prst="roundRect">
+            <a:avLst>
+              <a:gd name="adj" fmla="val 16667"/>
+            </a:avLst>
+          </a:prstGeom>
+          <a:solidFill>
+            <a:srgbClr val="FFFFFF"/>
+          </a:solidFill>
+          <a:ln w="28575" cap="flat" cmpd="sng">
+            <a:solidFill>
+              <a:srgbClr val="000000"/>
+            </a:solidFill>
+            <a:prstDash val="solid"/>
+            <a:round/>
+            <a:headEnd type="none" w="sm" len="sm"/>
+            <a:tailEnd type="none" w="sm" len="sm"/>
+          </a:ln>
+        </p:spPr>
+        <p:txBody>
+          <a:bodyPr spcFirstLastPara="1" wrap="square" lIns="91425" tIns="91425" rIns="91425" bIns="91425" anchor="ctr" anchorCtr="0">
+            <a:noAutofit/>
+          </a:bodyPr>
+          <a:lstStyle/>
+          <a:p>
+            <a:pPr marL="0" lvl="0" indent="0">
+              <a:spcBef>
+                <a:spcPts val="0"/>
+              </a:spcBef>
+              <a:spcAft>
+                <a:spcPts val="0"/>
+              </a:spcAft>
+              <a:buNone/>
+            </a:pPr>
+            <a:endParaRPr/>
+          </a:p>
+        </p:txBody>
+      </p:sp>
+      <p:sp>
+        <p:nvSpPr>
+          <p:cNvPr id="33" name="Shape 174">
+            <a:extLst>
+              <a:ext uri="{FF2B5EF4-FFF2-40B4-BE49-F238E27FC236}">
+                <a16:creationId xmlns:a16="http://schemas.microsoft.com/office/drawing/2014/main" id="{B9482089-C9D1-4388-8895-4C11F71C0CC8}"/>
+              </a:ext>
+            </a:extLst>
+          </p:cNvPr>
+          <p:cNvSpPr/>
+          <p:nvPr/>
+        </p:nvSpPr>
+        <p:spPr>
+          <a:xfrm>
+            <a:off x="730400" y="257946"/>
+            <a:ext cx="302400" cy="414900"/>
+          </a:xfrm>
+          <a:prstGeom prst="roundRect">
+            <a:avLst>
+              <a:gd name="adj" fmla="val 16667"/>
+            </a:avLst>
+          </a:prstGeom>
+          <a:noFill/>
+          <a:ln w="28575" cap="flat" cmpd="sng">
+            <a:solidFill>
+              <a:srgbClr val="000000"/>
+            </a:solidFill>
+            <a:prstDash val="solid"/>
+            <a:round/>
+            <a:headEnd type="none" w="sm" len="sm"/>
+            <a:tailEnd type="none" w="sm" len="sm"/>
+          </a:ln>
+        </p:spPr>
+        <p:txBody>
+          <a:bodyPr spcFirstLastPara="1" wrap="square" lIns="91425" tIns="91425" rIns="91425" bIns="91425" anchor="ctr" anchorCtr="0">
+            <a:noAutofit/>
+          </a:bodyPr>
+          <a:lstStyle/>
+          <a:p>
+            <a:pPr marL="0" lvl="0" indent="0">
+              <a:spcBef>
+                <a:spcPts val="0"/>
+              </a:spcBef>
+              <a:spcAft>
+                <a:spcPts val="0"/>
+              </a:spcAft>
+              <a:buNone/>
+            </a:pPr>
+            <a:endParaRPr/>
+          </a:p>
+        </p:txBody>
+      </p:sp>
+      <p:sp>
+        <p:nvSpPr>
+          <p:cNvPr id="34" name="Shape 175">
+            <a:extLst>
+              <a:ext uri="{FF2B5EF4-FFF2-40B4-BE49-F238E27FC236}">
+                <a16:creationId xmlns:a16="http://schemas.microsoft.com/office/drawing/2014/main" id="{D0035872-8D94-400F-B8F0-98D6200CE77F}"/>
+              </a:ext>
+            </a:extLst>
+          </p:cNvPr>
+          <p:cNvSpPr/>
+          <p:nvPr/>
+        </p:nvSpPr>
+        <p:spPr>
+          <a:xfrm>
+            <a:off x="730400" y="672846"/>
+            <a:ext cx="302400" cy="781200"/>
+          </a:xfrm>
+          <a:prstGeom prst="roundRect">
+            <a:avLst>
+              <a:gd name="adj" fmla="val 16667"/>
+            </a:avLst>
+          </a:prstGeom>
+          <a:solidFill>
+            <a:srgbClr val="FFFFFF"/>
+          </a:solidFill>
+          <a:ln w="28575" cap="flat" cmpd="sng">
+            <a:solidFill>
+              <a:srgbClr val="000000"/>
+            </a:solidFill>
+            <a:prstDash val="solid"/>
+            <a:round/>
+            <a:headEnd type="none" w="sm" len="sm"/>
+            <a:tailEnd type="none" w="sm" len="sm"/>
+          </a:ln>
+        </p:spPr>
+        <p:txBody>
+          <a:bodyPr spcFirstLastPara="1" wrap="square" lIns="91425" tIns="91425" rIns="91425" bIns="91425" anchor="ctr" anchorCtr="0">
+            <a:noAutofit/>
+          </a:bodyPr>
+          <a:lstStyle/>
+          <a:p>
+            <a:pPr marL="0" lvl="0" indent="0">
+              <a:spcBef>
+                <a:spcPts val="0"/>
+              </a:spcBef>
+              <a:spcAft>
+                <a:spcPts val="0"/>
+              </a:spcAft>
+              <a:buNone/>
+            </a:pPr>
+            <a:endParaRPr/>
+          </a:p>
+        </p:txBody>
+      </p:sp>
+      <p:sp>
+        <p:nvSpPr>
+          <p:cNvPr id="35" name="Shape 176">
+            <a:extLst>
+              <a:ext uri="{FF2B5EF4-FFF2-40B4-BE49-F238E27FC236}">
+                <a16:creationId xmlns:a16="http://schemas.microsoft.com/office/drawing/2014/main" id="{C1DB1048-D9E9-4A0F-B16A-75CBAB58FA8D}"/>
+              </a:ext>
+            </a:extLst>
+          </p:cNvPr>
+          <p:cNvSpPr/>
+          <p:nvPr/>
+        </p:nvSpPr>
+        <p:spPr>
+          <a:xfrm rot="-3260769">
+            <a:off x="913488" y="800038"/>
+            <a:ext cx="206386" cy="254943"/>
+          </a:xfrm>
+          <a:prstGeom prst="roundRect">
+            <a:avLst>
+              <a:gd name="adj" fmla="val 16667"/>
+            </a:avLst>
+          </a:prstGeom>
+          <a:solidFill>
+            <a:srgbClr val="FFFFFF"/>
+          </a:solidFill>
+          <a:ln w="28575" cap="flat" cmpd="sng">
+            <a:solidFill>
+              <a:srgbClr val="000000"/>
+            </a:solidFill>
+            <a:prstDash val="solid"/>
+            <a:round/>
+            <a:headEnd type="none" w="sm" len="sm"/>
+            <a:tailEnd type="none" w="sm" len="sm"/>
+          </a:ln>
+        </p:spPr>
+        <p:txBody>
+          <a:bodyPr spcFirstLastPara="1" wrap="square" lIns="91425" tIns="91425" rIns="91425" bIns="91425" anchor="ctr" anchorCtr="0">
+            <a:noAutofit/>
+          </a:bodyPr>
+          <a:lstStyle/>
+          <a:p>
+            <a:pPr marL="0" lvl="0" indent="0">
+              <a:spcBef>
+                <a:spcPts val="0"/>
+              </a:spcBef>
+              <a:spcAft>
+                <a:spcPts val="0"/>
+              </a:spcAft>
+              <a:buNone/>
+            </a:pPr>
+            <a:endParaRPr/>
+          </a:p>
+        </p:txBody>
+      </p:sp>
+      <p:sp>
+        <p:nvSpPr>
+          <p:cNvPr id="36" name="Shape 178">
+            <a:extLst>
+              <a:ext uri="{FF2B5EF4-FFF2-40B4-BE49-F238E27FC236}">
+                <a16:creationId xmlns:a16="http://schemas.microsoft.com/office/drawing/2014/main" id="{B5873F1C-BE82-4886-BC22-BC0976B2ABDC}"/>
+              </a:ext>
+            </a:extLst>
+          </p:cNvPr>
+          <p:cNvSpPr/>
+          <p:nvPr/>
+        </p:nvSpPr>
+        <p:spPr>
+          <a:xfrm rot="3179790">
+            <a:off x="437062" y="979046"/>
+            <a:ext cx="205861" cy="255753"/>
+          </a:xfrm>
+          <a:prstGeom prst="roundRect">
+            <a:avLst>
+              <a:gd name="adj" fmla="val 16667"/>
+            </a:avLst>
+          </a:prstGeom>
+          <a:solidFill>
+            <a:srgbClr val="FFFFFF"/>
+          </a:solidFill>
+          <a:ln w="28575" cap="flat" cmpd="sng">
+            <a:solidFill>
+              <a:srgbClr val="000000"/>
+            </a:solidFill>
+            <a:prstDash val="solid"/>
+            <a:round/>
+            <a:headEnd type="none" w="sm" len="sm"/>
+            <a:tailEnd type="none" w="sm" len="sm"/>
+          </a:ln>
+        </p:spPr>
+        <p:txBody>
+          <a:bodyPr spcFirstLastPara="1" wrap="square" lIns="91425" tIns="91425" rIns="91425" bIns="91425" anchor="ctr" anchorCtr="0">
+            <a:noAutofit/>
+          </a:bodyPr>
+          <a:lstStyle/>
+          <a:p>
+            <a:pPr marL="0" lvl="0" indent="0">
+              <a:spcBef>
+                <a:spcPts val="0"/>
+              </a:spcBef>
+              <a:spcAft>
+                <a:spcPts val="0"/>
+              </a:spcAft>
+              <a:buNone/>
+            </a:pPr>
+            <a:endParaRPr/>
+          </a:p>
+        </p:txBody>
+      </p:sp>
+      <p:sp>
+        <p:nvSpPr>
+          <p:cNvPr id="37" name="Shape 179">
+            <a:extLst>
+              <a:ext uri="{FF2B5EF4-FFF2-40B4-BE49-F238E27FC236}">
+                <a16:creationId xmlns:a16="http://schemas.microsoft.com/office/drawing/2014/main" id="{5C12A0F8-8A48-450F-9DD6-6B80F54BA55B}"/>
+              </a:ext>
+            </a:extLst>
+          </p:cNvPr>
+          <p:cNvSpPr/>
+          <p:nvPr/>
+        </p:nvSpPr>
+        <p:spPr>
+          <a:xfrm rot="1748357">
+            <a:off x="634250" y="1391078"/>
+            <a:ext cx="197152" cy="408109"/>
+          </a:xfrm>
+          <a:prstGeom prst="roundRect">
+            <a:avLst>
+              <a:gd name="adj" fmla="val 16667"/>
+            </a:avLst>
+          </a:prstGeom>
+          <a:solidFill>
+            <a:srgbClr val="FFFFFF"/>
+          </a:solidFill>
+          <a:ln w="28575" cap="flat" cmpd="sng">
+            <a:solidFill>
+              <a:srgbClr val="000000"/>
+            </a:solidFill>
+            <a:prstDash val="solid"/>
+            <a:round/>
+            <a:headEnd type="none" w="sm" len="sm"/>
+            <a:tailEnd type="none" w="sm" len="sm"/>
+          </a:ln>
+        </p:spPr>
+        <p:txBody>
+          <a:bodyPr spcFirstLastPara="1" wrap="square" lIns="91425" tIns="91425" rIns="91425" bIns="91425" anchor="ctr" anchorCtr="0">
+            <a:noAutofit/>
+          </a:bodyPr>
+          <a:lstStyle/>
+          <a:p>
+            <a:pPr marL="0" lvl="0" indent="0">
+              <a:spcBef>
+                <a:spcPts val="0"/>
+              </a:spcBef>
+              <a:spcAft>
+                <a:spcPts val="0"/>
+              </a:spcAft>
+              <a:buNone/>
+            </a:pPr>
+            <a:endParaRPr/>
+          </a:p>
+        </p:txBody>
+      </p:sp>
+      <p:sp>
+        <p:nvSpPr>
+          <p:cNvPr id="38" name="Shape 180">
+            <a:extLst>
+              <a:ext uri="{FF2B5EF4-FFF2-40B4-BE49-F238E27FC236}">
+                <a16:creationId xmlns:a16="http://schemas.microsoft.com/office/drawing/2014/main" id="{B5DAF73B-CF9B-4EA9-AF9A-0377F8666317}"/>
+              </a:ext>
+            </a:extLst>
+          </p:cNvPr>
+          <p:cNvSpPr/>
+          <p:nvPr/>
+        </p:nvSpPr>
+        <p:spPr>
+          <a:xfrm rot="1748357">
+            <a:off x="462466" y="1769797"/>
+            <a:ext cx="197152" cy="408109"/>
+          </a:xfrm>
+          <a:prstGeom prst="roundRect">
+            <a:avLst>
+              <a:gd name="adj" fmla="val 16667"/>
+            </a:avLst>
+          </a:prstGeom>
+          <a:solidFill>
+            <a:srgbClr val="FFFFFF"/>
+          </a:solidFill>
+          <a:ln w="28575" cap="flat" cmpd="sng">
+            <a:solidFill>
+              <a:srgbClr val="000000"/>
+            </a:solidFill>
+            <a:prstDash val="solid"/>
+            <a:round/>
+            <a:headEnd type="none" w="sm" len="sm"/>
+            <a:tailEnd type="none" w="sm" len="sm"/>
+          </a:ln>
+        </p:spPr>
+        <p:txBody>
+          <a:bodyPr spcFirstLastPara="1" wrap="square" lIns="91425" tIns="91425" rIns="91425" bIns="91425" anchor="ctr" anchorCtr="0">
+            <a:noAutofit/>
+          </a:bodyPr>
+          <a:lstStyle/>
+          <a:p>
+            <a:pPr marL="0" lvl="0" indent="0">
+              <a:spcBef>
+                <a:spcPts val="0"/>
+              </a:spcBef>
+              <a:spcAft>
+                <a:spcPts val="0"/>
+              </a:spcAft>
+              <a:buNone/>
+            </a:pPr>
+            <a:endParaRPr/>
+          </a:p>
+        </p:txBody>
+      </p:sp>
+      <p:sp>
+        <p:nvSpPr>
+          <p:cNvPr id="39" name="Shape 181">
+            <a:extLst>
+              <a:ext uri="{FF2B5EF4-FFF2-40B4-BE49-F238E27FC236}">
+                <a16:creationId xmlns:a16="http://schemas.microsoft.com/office/drawing/2014/main" id="{88704358-10BD-4797-9220-7A8332294197}"/>
+              </a:ext>
+            </a:extLst>
+          </p:cNvPr>
+          <p:cNvSpPr/>
+          <p:nvPr/>
+        </p:nvSpPr>
+        <p:spPr>
+          <a:xfrm rot="-1931907">
+            <a:off x="1087327" y="1770661"/>
+            <a:ext cx="198178" cy="406387"/>
+          </a:xfrm>
+          <a:prstGeom prst="roundRect">
+            <a:avLst>
+              <a:gd name="adj" fmla="val 16667"/>
+            </a:avLst>
+          </a:prstGeom>
+          <a:solidFill>
+            <a:srgbClr val="FFFFFF"/>
+          </a:solidFill>
+          <a:ln w="28575" cap="flat" cmpd="sng">
+            <a:solidFill>
+              <a:srgbClr val="000000"/>
+            </a:solidFill>
+            <a:prstDash val="solid"/>
+            <a:round/>
+            <a:headEnd type="none" w="sm" len="sm"/>
+            <a:tailEnd type="none" w="sm" len="sm"/>
+          </a:ln>
+        </p:spPr>
+        <p:txBody>
+          <a:bodyPr spcFirstLastPara="1" wrap="square" lIns="91425" tIns="91425" rIns="91425" bIns="91425" anchor="ctr" anchorCtr="0">
+            <a:noAutofit/>
+          </a:bodyPr>
+          <a:lstStyle/>
+          <a:p>
+            <a:pPr marL="0" lvl="0" indent="0">
+              <a:spcBef>
+                <a:spcPts val="0"/>
+              </a:spcBef>
+              <a:spcAft>
+                <a:spcPts val="0"/>
+              </a:spcAft>
+              <a:buNone/>
+            </a:pPr>
+            <a:endParaRPr/>
+          </a:p>
+        </p:txBody>
+      </p:sp>
+      <p:sp>
+        <p:nvSpPr>
+          <p:cNvPr id="40" name="Shape 182">
+            <a:extLst>
+              <a:ext uri="{FF2B5EF4-FFF2-40B4-BE49-F238E27FC236}">
+                <a16:creationId xmlns:a16="http://schemas.microsoft.com/office/drawing/2014/main" id="{1D442101-E12A-4268-816A-F1D6C6011FC0}"/>
+              </a:ext>
+            </a:extLst>
+          </p:cNvPr>
+          <p:cNvSpPr/>
+          <p:nvPr/>
+        </p:nvSpPr>
+        <p:spPr>
+          <a:xfrm rot="-3896092">
+            <a:off x="438049" y="2096745"/>
+            <a:ext cx="107636" cy="291590"/>
+          </a:xfrm>
+          <a:prstGeom prst="roundRect">
+            <a:avLst>
+              <a:gd name="adj" fmla="val 16667"/>
+            </a:avLst>
+          </a:prstGeom>
+          <a:solidFill>
+            <a:srgbClr val="FFFFFF"/>
+          </a:solidFill>
+          <a:ln w="28575" cap="flat" cmpd="sng">
+            <a:solidFill>
+              <a:srgbClr val="000000"/>
+            </a:solidFill>
+            <a:prstDash val="solid"/>
+            <a:round/>
+            <a:headEnd type="none" w="sm" len="sm"/>
+            <a:tailEnd type="none" w="sm" len="sm"/>
+          </a:ln>
+        </p:spPr>
+        <p:txBody>
+          <a:bodyPr spcFirstLastPara="1" wrap="square" lIns="91425" tIns="91425" rIns="91425" bIns="91425" anchor="ctr" anchorCtr="0">
+            <a:noAutofit/>
+          </a:bodyPr>
+          <a:lstStyle/>
+          <a:p>
+            <a:pPr marL="0" lvl="0" indent="0">
+              <a:spcBef>
+                <a:spcPts val="0"/>
+              </a:spcBef>
+              <a:spcAft>
+                <a:spcPts val="0"/>
+              </a:spcAft>
+              <a:buNone/>
+            </a:pPr>
+            <a:endParaRPr/>
+          </a:p>
+        </p:txBody>
+      </p:sp>
+      <p:sp>
+        <p:nvSpPr>
+          <p:cNvPr id="41" name="Shape 183">
+            <a:extLst>
+              <a:ext uri="{FF2B5EF4-FFF2-40B4-BE49-F238E27FC236}">
+                <a16:creationId xmlns:a16="http://schemas.microsoft.com/office/drawing/2014/main" id="{B9472E71-977A-4BC5-A636-B876B25A7265}"/>
+              </a:ext>
+            </a:extLst>
+          </p:cNvPr>
+          <p:cNvSpPr/>
+          <p:nvPr/>
+        </p:nvSpPr>
+        <p:spPr>
+          <a:xfrm rot="-6955375">
+            <a:off x="1266328" y="2061948"/>
+            <a:ext cx="107741" cy="291880"/>
+          </a:xfrm>
+          <a:prstGeom prst="roundRect">
+            <a:avLst>
+              <a:gd name="adj" fmla="val 16667"/>
+            </a:avLst>
+          </a:prstGeom>
+          <a:solidFill>
+            <a:srgbClr val="FFFFFF"/>
+          </a:solidFill>
+          <a:ln w="28575" cap="flat" cmpd="sng">
+            <a:solidFill>
+              <a:srgbClr val="000000"/>
+            </a:solidFill>
+            <a:prstDash val="solid"/>
+            <a:round/>
+            <a:headEnd type="none" w="sm" len="sm"/>
+            <a:tailEnd type="none" w="sm" len="sm"/>
+          </a:ln>
+        </p:spPr>
+        <p:txBody>
+          <a:bodyPr spcFirstLastPara="1" wrap="square" lIns="91425" tIns="91425" rIns="91425" bIns="91425" anchor="ctr" anchorCtr="0">
+            <a:noAutofit/>
+          </a:bodyPr>
+          <a:lstStyle/>
+          <a:p>
+            <a:pPr marL="0" lvl="0" indent="0">
+              <a:spcBef>
+                <a:spcPts val="0"/>
+              </a:spcBef>
+              <a:spcAft>
+                <a:spcPts val="0"/>
+              </a:spcAft>
+              <a:buNone/>
+            </a:pPr>
+            <a:endParaRPr/>
+          </a:p>
+        </p:txBody>
+      </p:sp>
+      <p:sp>
+        <p:nvSpPr>
+          <p:cNvPr id="42" name="Shape 184">
+            <a:extLst>
+              <a:ext uri="{FF2B5EF4-FFF2-40B4-BE49-F238E27FC236}">
+                <a16:creationId xmlns:a16="http://schemas.microsoft.com/office/drawing/2014/main" id="{7334FD74-0BAC-4278-8D08-540AB34E2730}"/>
+              </a:ext>
+            </a:extLst>
+          </p:cNvPr>
+          <p:cNvSpPr/>
+          <p:nvPr/>
+        </p:nvSpPr>
+        <p:spPr>
+          <a:xfrm>
+            <a:off x="468004" y="2048035"/>
+            <a:ext cx="95400" cy="109800"/>
+          </a:xfrm>
+          <a:prstGeom prst="diamond">
+            <a:avLst/>
+          </a:prstGeom>
+          <a:solidFill>
+            <a:srgbClr val="FF9900"/>
+          </a:solidFill>
+          <a:ln w="9525" cap="flat" cmpd="sng">
+            <a:solidFill>
+              <a:srgbClr val="000000"/>
+            </a:solidFill>
+            <a:prstDash val="solid"/>
+            <a:round/>
+            <a:headEnd type="none" w="sm" len="sm"/>
+            <a:tailEnd type="none" w="sm" len="sm"/>
+          </a:ln>
+        </p:spPr>
+        <p:txBody>
+          <a:bodyPr spcFirstLastPara="1" wrap="square" lIns="91425" tIns="91425" rIns="91425" bIns="91425" anchor="ctr" anchorCtr="0">
+            <a:noAutofit/>
+          </a:bodyPr>
+          <a:lstStyle/>
+          <a:p>
+            <a:pPr marL="0" lvl="0" indent="0">
+              <a:spcBef>
+                <a:spcPts val="0"/>
+              </a:spcBef>
+              <a:spcAft>
+                <a:spcPts val="0"/>
+              </a:spcAft>
+              <a:buNone/>
+            </a:pPr>
+            <a:endParaRPr/>
+          </a:p>
+        </p:txBody>
+      </p:sp>
+      <p:sp>
+        <p:nvSpPr>
+          <p:cNvPr id="43" name="Shape 185">
+            <a:extLst>
+              <a:ext uri="{FF2B5EF4-FFF2-40B4-BE49-F238E27FC236}">
+                <a16:creationId xmlns:a16="http://schemas.microsoft.com/office/drawing/2014/main" id="{975A8F8A-29AF-4DF8-89D7-B26B5C22AA7C}"/>
+              </a:ext>
+            </a:extLst>
+          </p:cNvPr>
+          <p:cNvSpPr/>
+          <p:nvPr/>
+        </p:nvSpPr>
+        <p:spPr>
+          <a:xfrm>
+            <a:off x="617748" y="1643596"/>
+            <a:ext cx="95400" cy="109800"/>
+          </a:xfrm>
+          <a:prstGeom prst="diamond">
+            <a:avLst/>
+          </a:prstGeom>
+          <a:solidFill>
+            <a:srgbClr val="FF9900"/>
+          </a:solidFill>
+          <a:ln w="9525" cap="flat" cmpd="sng">
+            <a:solidFill>
+              <a:srgbClr val="000000"/>
+            </a:solidFill>
+            <a:prstDash val="solid"/>
+            <a:round/>
+            <a:headEnd type="none" w="sm" len="sm"/>
+            <a:tailEnd type="none" w="sm" len="sm"/>
+          </a:ln>
+        </p:spPr>
+        <p:txBody>
+          <a:bodyPr spcFirstLastPara="1" wrap="square" lIns="91425" tIns="91425" rIns="91425" bIns="91425" anchor="ctr" anchorCtr="0">
+            <a:noAutofit/>
+          </a:bodyPr>
+          <a:lstStyle/>
+          <a:p>
+            <a:pPr marL="0" lvl="0" indent="0">
+              <a:spcBef>
+                <a:spcPts val="0"/>
+              </a:spcBef>
+              <a:spcAft>
+                <a:spcPts val="0"/>
+              </a:spcAft>
+              <a:buNone/>
+            </a:pPr>
+            <a:endParaRPr/>
+          </a:p>
+        </p:txBody>
+      </p:sp>
+      <p:sp>
+        <p:nvSpPr>
+          <p:cNvPr id="44" name="Shape 186">
+            <a:extLst>
+              <a:ext uri="{FF2B5EF4-FFF2-40B4-BE49-F238E27FC236}">
+                <a16:creationId xmlns:a16="http://schemas.microsoft.com/office/drawing/2014/main" id="{18BED0CF-FE62-432F-9D47-05B25B271FC4}"/>
+              </a:ext>
+            </a:extLst>
+          </p:cNvPr>
+          <p:cNvSpPr/>
+          <p:nvPr/>
+        </p:nvSpPr>
+        <p:spPr>
+          <a:xfrm>
+            <a:off x="730400" y="1239187"/>
+            <a:ext cx="95400" cy="109800"/>
+          </a:xfrm>
+          <a:prstGeom prst="diamond">
+            <a:avLst/>
+          </a:prstGeom>
+          <a:solidFill>
+            <a:srgbClr val="FF9900"/>
+          </a:solidFill>
+          <a:ln w="9525" cap="flat" cmpd="sng">
+            <a:solidFill>
+              <a:srgbClr val="000000"/>
+            </a:solidFill>
+            <a:prstDash val="solid"/>
+            <a:round/>
+            <a:headEnd type="none" w="sm" len="sm"/>
+            <a:tailEnd type="none" w="sm" len="sm"/>
+          </a:ln>
+        </p:spPr>
+        <p:txBody>
+          <a:bodyPr spcFirstLastPara="1" wrap="square" lIns="91425" tIns="91425" rIns="91425" bIns="91425" anchor="ctr" anchorCtr="0">
+            <a:noAutofit/>
+          </a:bodyPr>
+          <a:lstStyle/>
+          <a:p>
+            <a:pPr marL="0" lvl="0" indent="0">
+              <a:spcBef>
+                <a:spcPts val="0"/>
+              </a:spcBef>
+              <a:spcAft>
+                <a:spcPts val="0"/>
+              </a:spcAft>
+              <a:buNone/>
+            </a:pPr>
+            <a:endParaRPr/>
+          </a:p>
+        </p:txBody>
+      </p:sp>
+      <p:sp>
+        <p:nvSpPr>
+          <p:cNvPr id="45" name="Shape 187">
+            <a:extLst>
+              <a:ext uri="{FF2B5EF4-FFF2-40B4-BE49-F238E27FC236}">
+                <a16:creationId xmlns:a16="http://schemas.microsoft.com/office/drawing/2014/main" id="{369F87C2-A56F-47CE-A595-7368E9F25146}"/>
+              </a:ext>
+            </a:extLst>
+          </p:cNvPr>
+          <p:cNvSpPr/>
+          <p:nvPr/>
+        </p:nvSpPr>
+        <p:spPr>
+          <a:xfrm>
+            <a:off x="1149859" y="1021952"/>
+            <a:ext cx="120300" cy="138300"/>
+          </a:xfrm>
+          <a:prstGeom prst="octagon">
+            <a:avLst>
+              <a:gd name="adj" fmla="val 29289"/>
+            </a:avLst>
+          </a:prstGeom>
+          <a:solidFill>
+            <a:srgbClr val="0000FF"/>
+          </a:solidFill>
+          <a:ln w="9525" cap="flat" cmpd="sng">
+            <a:solidFill>
+              <a:srgbClr val="000000"/>
+            </a:solidFill>
+            <a:prstDash val="solid"/>
+            <a:round/>
+            <a:headEnd type="none" w="sm" len="sm"/>
+            <a:tailEnd type="none" w="sm" len="sm"/>
+          </a:ln>
+        </p:spPr>
+        <p:txBody>
+          <a:bodyPr spcFirstLastPara="1" wrap="square" lIns="91425" tIns="91425" rIns="91425" bIns="91425" anchor="ctr" anchorCtr="0">
+            <a:noAutofit/>
+          </a:bodyPr>
+          <a:lstStyle/>
+          <a:p>
+            <a:pPr marL="0" lvl="0" indent="0">
+              <a:spcBef>
+                <a:spcPts val="0"/>
+              </a:spcBef>
+              <a:spcAft>
+                <a:spcPts val="0"/>
+              </a:spcAft>
+              <a:buNone/>
+            </a:pPr>
+            <a:endParaRPr/>
+          </a:p>
+        </p:txBody>
+      </p:sp>
+      <p:sp>
+        <p:nvSpPr>
+          <p:cNvPr id="46" name="Shape 177">
+            <a:extLst>
+              <a:ext uri="{FF2B5EF4-FFF2-40B4-BE49-F238E27FC236}">
+                <a16:creationId xmlns:a16="http://schemas.microsoft.com/office/drawing/2014/main" id="{4DA7562E-DF7C-4344-AD4E-52C4A0E79A27}"/>
+              </a:ext>
+            </a:extLst>
+          </p:cNvPr>
+          <p:cNvSpPr/>
+          <p:nvPr/>
+        </p:nvSpPr>
+        <p:spPr>
+          <a:xfrm rot="-3260769">
+            <a:off x="1126136" y="956659"/>
+            <a:ext cx="206386" cy="254943"/>
+          </a:xfrm>
+          <a:prstGeom prst="roundRect">
+            <a:avLst>
+              <a:gd name="adj" fmla="val 16667"/>
+            </a:avLst>
+          </a:prstGeom>
+          <a:noFill/>
+          <a:ln w="28575" cap="flat" cmpd="sng">
+            <a:solidFill>
+              <a:srgbClr val="000000"/>
+            </a:solidFill>
+            <a:prstDash val="solid"/>
+            <a:round/>
+            <a:headEnd type="none" w="sm" len="sm"/>
+            <a:tailEnd type="none" w="sm" len="sm"/>
+          </a:ln>
+        </p:spPr>
+        <p:txBody>
+          <a:bodyPr spcFirstLastPara="1" wrap="square" lIns="91425" tIns="91425" rIns="91425" bIns="91425" anchor="ctr" anchorCtr="0">
+            <a:noAutofit/>
+          </a:bodyPr>
+          <a:lstStyle/>
+          <a:p>
+            <a:pPr marL="0" lvl="0" indent="0">
+              <a:spcBef>
+                <a:spcPts val="0"/>
+              </a:spcBef>
+              <a:spcAft>
+                <a:spcPts val="0"/>
+              </a:spcAft>
+              <a:buNone/>
+            </a:pPr>
             <a:endParaRPr/>
           </a:p>
         </p:txBody>
@@ -30196,10 +30927,10 @@
               <a:buNone/>
             </a:pPr>
             <a:r>
-              <a:rPr lang="it"/>
+              <a:rPr lang="it" dirty="0"/>
               <a:t>Metodologia - Fase 1</a:t>
             </a:r>
-            <a:endParaRPr/>
+            <a:endParaRPr dirty="0"/>
           </a:p>
         </p:txBody>
       </p:sp>
@@ -30346,10 +31077,14 @@
               <a:buNone/>
             </a:pPr>
             <a:r>
-              <a:rPr lang="it" sz="1000"/>
+              <a:rPr lang="it-IT" sz="700" dirty="0"/>
+              <a:t>ETICHETTE </a:t>
+            </a:r>
+            <a:r>
+              <a:rPr lang="it" sz="700" dirty="0"/>
               <a:t>MEDICO</a:t>
             </a:r>
-            <a:endParaRPr sz="1000"/>
+            <a:endParaRPr sz="700" dirty="0"/>
           </a:p>
         </p:txBody>
       </p:sp>
@@ -30357,6 +31092,7 @@
         <p:nvCxnSpPr>
           <p:cNvPr id="235" name="Shape 235"/>
           <p:cNvCxnSpPr>
+            <a:cxnSpLocks/>
             <a:stCxn id="234" idx="2"/>
             <a:endCxn id="232" idx="1"/>
           </p:cNvCxnSpPr>
